--- a/docs/diploma.pptx
+++ b/docs/diploma.pptx
@@ -297,7 +297,7 @@
             <a:fld id="{C561F99B-DEDC-4780-99C9-30424E62093C}" type="datetimeFigureOut">
               <a:rPr lang="en-US" smtClean="0"/>
               <a:pPr/>
-              <a:t>5/21/2012</a:t>
+              <a:t>5/22/2012</a:t>
             </a:fld>
             <a:endParaRPr lang="en-US"/>
           </a:p>
@@ -464,7 +464,7 @@
             <a:fld id="{C561F99B-DEDC-4780-99C9-30424E62093C}" type="datetimeFigureOut">
               <a:rPr lang="en-US" smtClean="0"/>
               <a:pPr/>
-              <a:t>5/21/2012</a:t>
+              <a:t>5/22/2012</a:t>
             </a:fld>
             <a:endParaRPr lang="en-US"/>
           </a:p>
@@ -641,7 +641,7 @@
             <a:fld id="{C561F99B-DEDC-4780-99C9-30424E62093C}" type="datetimeFigureOut">
               <a:rPr lang="en-US" smtClean="0"/>
               <a:pPr/>
-              <a:t>5/21/2012</a:t>
+              <a:t>5/22/2012</a:t>
             </a:fld>
             <a:endParaRPr lang="en-US"/>
           </a:p>
@@ -808,7 +808,7 @@
             <a:fld id="{C561F99B-DEDC-4780-99C9-30424E62093C}" type="datetimeFigureOut">
               <a:rPr lang="en-US" smtClean="0"/>
               <a:pPr/>
-              <a:t>5/21/2012</a:t>
+              <a:t>5/22/2012</a:t>
             </a:fld>
             <a:endParaRPr lang="en-US"/>
           </a:p>
@@ -1051,7 +1051,7 @@
             <a:fld id="{C561F99B-DEDC-4780-99C9-30424E62093C}" type="datetimeFigureOut">
               <a:rPr lang="en-US" smtClean="0"/>
               <a:pPr/>
-              <a:t>5/21/2012</a:t>
+              <a:t>5/22/2012</a:t>
             </a:fld>
             <a:endParaRPr lang="en-US"/>
           </a:p>
@@ -1336,7 +1336,7 @@
             <a:fld id="{C561F99B-DEDC-4780-99C9-30424E62093C}" type="datetimeFigureOut">
               <a:rPr lang="en-US" smtClean="0"/>
               <a:pPr/>
-              <a:t>5/21/2012</a:t>
+              <a:t>5/22/2012</a:t>
             </a:fld>
             <a:endParaRPr lang="en-US"/>
           </a:p>
@@ -1755,7 +1755,7 @@
             <a:fld id="{C561F99B-DEDC-4780-99C9-30424E62093C}" type="datetimeFigureOut">
               <a:rPr lang="en-US" smtClean="0"/>
               <a:pPr/>
-              <a:t>5/21/2012</a:t>
+              <a:t>5/22/2012</a:t>
             </a:fld>
             <a:endParaRPr lang="en-US"/>
           </a:p>
@@ -1870,7 +1870,7 @@
             <a:fld id="{C561F99B-DEDC-4780-99C9-30424E62093C}" type="datetimeFigureOut">
               <a:rPr lang="en-US" smtClean="0"/>
               <a:pPr/>
-              <a:t>5/21/2012</a:t>
+              <a:t>5/22/2012</a:t>
             </a:fld>
             <a:endParaRPr lang="en-US"/>
           </a:p>
@@ -1962,7 +1962,7 @@
             <a:fld id="{C561F99B-DEDC-4780-99C9-30424E62093C}" type="datetimeFigureOut">
               <a:rPr lang="en-US" smtClean="0"/>
               <a:pPr/>
-              <a:t>5/21/2012</a:t>
+              <a:t>5/22/2012</a:t>
             </a:fld>
             <a:endParaRPr lang="en-US"/>
           </a:p>
@@ -2236,7 +2236,7 @@
             <a:fld id="{C561F99B-DEDC-4780-99C9-30424E62093C}" type="datetimeFigureOut">
               <a:rPr lang="en-US" smtClean="0"/>
               <a:pPr/>
-              <a:t>5/21/2012</a:t>
+              <a:t>5/22/2012</a:t>
             </a:fld>
             <a:endParaRPr lang="en-US"/>
           </a:p>
@@ -2486,7 +2486,7 @@
             <a:fld id="{C561F99B-DEDC-4780-99C9-30424E62093C}" type="datetimeFigureOut">
               <a:rPr lang="en-US" smtClean="0"/>
               <a:pPr/>
-              <a:t>5/21/2012</a:t>
+              <a:t>5/22/2012</a:t>
             </a:fld>
             <a:endParaRPr lang="en-US"/>
           </a:p>
@@ -2696,7 +2696,7 @@
             <a:fld id="{C561F99B-DEDC-4780-99C9-30424E62093C}" type="datetimeFigureOut">
               <a:rPr lang="en-US" smtClean="0"/>
               <a:pPr/>
-              <a:t>5/21/2012</a:t>
+              <a:t>5/22/2012</a:t>
             </a:fld>
             <a:endParaRPr lang="en-US"/>
           </a:p>
@@ -3122,15 +3122,7 @@
           <a:p>
             <a:r>
               <a:rPr lang="ru-RU" dirty="0" smtClean="0"/>
-              <a:t>СПбГУ</a:t>
-            </a:r>
-            <a:r>
-              <a:rPr lang="ru-RU" dirty="0" smtClean="0"/>
-              <a:t>, Санкт-Петербург, </a:t>
-            </a:r>
-            <a:r>
-              <a:rPr lang="ru-RU" dirty="0" smtClean="0"/>
-              <a:t>май 2012 </a:t>
+              <a:t>СПбГУ, Санкт-Петербург, май 2012 </a:t>
             </a:r>
             <a:endParaRPr lang="en-US" dirty="0"/>
           </a:p>
@@ -3244,11 +3236,11 @@
             </a:r>
             <a:r>
               <a:rPr lang="en-US" b="1" dirty="0" smtClean="0"/>
-              <a:t>: </a:t>
-            </a:r>
-            <a:r>
-              <a:rPr lang="en-US" b="1" dirty="0" smtClean="0"/>
-              <a:t>? </a:t>
+              <a:t>: ? ?</a:t>
+            </a:r>
+            <a:r>
+              <a:rPr lang="ru-RU" b="1" dirty="0" smtClean="0"/>
+              <a:t>. </a:t>
             </a:r>
             <a:r>
               <a:rPr lang="en-US" b="1" dirty="0" smtClean="0"/>
@@ -3256,17 +3248,8 @@
             </a:r>
             <a:r>
               <a:rPr lang="ru-RU" b="1" dirty="0" smtClean="0"/>
-              <a:t>. </a:t>
-            </a:r>
-            <a:r>
-              <a:rPr lang="en-US" b="1" dirty="0" smtClean="0"/>
-              <a:t>?</a:t>
-            </a:r>
-            <a:r>
-              <a:rPr lang="ru-RU" b="1" dirty="0" smtClean="0"/>
               <a:t>.</a:t>
             </a:r>
-            <a:endParaRPr lang="ru-RU" b="1" dirty="0" smtClean="0"/>
           </a:p>
           <a:p>
             <a:r>
@@ -3381,20 +3364,15 @@
               <a:rPr lang="ru-RU" dirty="0" smtClean="0"/>
               <a:t>Кассовые сборы</a:t>
             </a:r>
-            <a:endParaRPr lang="ru-RU" dirty="0" smtClean="0"/>
-          </a:p>
-          <a:p>
-            <a:r>
-              <a:rPr lang="ru-RU" dirty="0" smtClean="0"/>
-              <a:t>Классификация записей</a:t>
-            </a:r>
-            <a:endParaRPr lang="ru-RU" dirty="0" smtClean="0"/>
-          </a:p>
-          <a:p>
-            <a:pPr lvl="1"/>
-            <a:r>
-              <a:rPr lang="ru-RU" dirty="0" smtClean="0"/>
-              <a:t>Особенности</a:t>
+          </a:p>
+          <a:p>
+            <a:r>
+              <a:rPr lang="ru-RU" dirty="0" smtClean="0"/>
+              <a:t>Классификация </a:t>
+            </a:r>
+            <a:r>
+              <a:rPr lang="ru-RU" dirty="0" smtClean="0"/>
+              <a:t>записей</a:t>
             </a:r>
             <a:endParaRPr lang="ru-RU" dirty="0" smtClean="0"/>
           </a:p>
@@ -3485,15 +3463,25 @@
             <a:pPr lvl="1"/>
             <a:r>
               <a:rPr lang="ru-RU" dirty="0" smtClean="0"/>
-              <a:t>википедию</a:t>
-            </a:r>
+              <a:t>В</a:t>
+            </a:r>
+            <a:r>
+              <a:rPr lang="ru-RU" dirty="0" smtClean="0"/>
+              <a:t>икипедию</a:t>
+            </a:r>
+            <a:endParaRPr lang="ru-RU" dirty="0" smtClean="0"/>
           </a:p>
           <a:p>
             <a:pPr lvl="1"/>
             <a:r>
               <a:rPr lang="ru-RU" dirty="0" smtClean="0"/>
-              <a:t>контекст</a:t>
-            </a:r>
+              <a:t>К</a:t>
+            </a:r>
+            <a:r>
+              <a:rPr lang="ru-RU" dirty="0" smtClean="0"/>
+              <a:t>онтекст</a:t>
+            </a:r>
+            <a:endParaRPr lang="ru-RU" dirty="0" smtClean="0"/>
           </a:p>
           <a:p>
             <a:pPr lvl="1"/>
@@ -3566,9 +3554,16 @@
           <a:p>
             <a:r>
               <a:rPr lang="ru-RU" dirty="0" smtClean="0"/>
-              <a:t>Использование других записи автора, как контекст для классификации</a:t>
-            </a:r>
-            <a:endParaRPr lang="ru-RU" dirty="0" smtClean="0"/>
+              <a:t>Использование других </a:t>
+            </a:r>
+            <a:r>
+              <a:rPr lang="ru-RU" dirty="0" smtClean="0"/>
+              <a:t>записей </a:t>
+            </a:r>
+            <a:r>
+              <a:rPr lang="ru-RU" dirty="0" smtClean="0"/>
+              <a:t>автора, как контекст для классификации</a:t>
+            </a:r>
           </a:p>
           <a:p>
             <a:r>
@@ -3589,7 +3584,6 @@
               <a:rPr lang="ru-RU" dirty="0" smtClean="0"/>
               <a:t>Классифицируем на основании «большинства» в кластере сообщения</a:t>
             </a:r>
-            <a:endParaRPr lang="ru-RU" dirty="0" smtClean="0"/>
           </a:p>
           <a:p>
             <a:pPr lvl="1"/>
@@ -3673,27 +3667,41 @@
               <a:rPr lang="ru-RU" dirty="0" smtClean="0"/>
               <a:t>Алгоритмы классификации требуют векторов, не способны принимать просто текст</a:t>
             </a:r>
+          </a:p>
+          <a:p>
+            <a:r>
+              <a:rPr lang="ru-RU" dirty="0" smtClean="0"/>
+              <a:t>Использовать Википедию для преобразования текста в </a:t>
+            </a:r>
+            <a:r>
+              <a:rPr lang="ru-RU" dirty="0" smtClean="0"/>
+              <a:t>вектора</a:t>
+            </a:r>
+          </a:p>
+          <a:p>
+            <a:r>
+              <a:rPr lang="ru-RU" dirty="0" smtClean="0"/>
+              <a:t>Алгоритм</a:t>
+            </a:r>
             <a:endParaRPr lang="ru-RU" dirty="0" smtClean="0"/>
           </a:p>
           <a:p>
-            <a:r>
-              <a:rPr lang="ru-RU" dirty="0" smtClean="0"/>
-              <a:t>Использовать Википедию для преобразования текста в вектора</a:t>
-            </a:r>
-            <a:endParaRPr lang="ru-RU" dirty="0" smtClean="0"/>
-          </a:p>
-          <a:p>
-            <a:r>
-              <a:rPr lang="ru-RU" dirty="0" smtClean="0"/>
-              <a:t>Алгоритм</a:t>
-            </a:r>
-            <a:endParaRPr lang="ru-RU" dirty="0" smtClean="0"/>
-          </a:p>
-          <a:p>
             <a:pPr lvl="1"/>
             <a:r>
               <a:rPr lang="ru-RU" dirty="0" smtClean="0"/>
-              <a:t>Нахождение релевантных страниц Википедии к тексту</a:t>
+              <a:t>Нахождение </a:t>
+            </a:r>
+            <a:r>
+              <a:rPr lang="ru-RU" dirty="0" smtClean="0"/>
+              <a:t>релевантных тексту </a:t>
+            </a:r>
+            <a:r>
+              <a:rPr lang="ru-RU" dirty="0" smtClean="0"/>
+              <a:t>страниц </a:t>
+            </a:r>
+            <a:r>
+              <a:rPr lang="ru-RU" dirty="0" smtClean="0"/>
+              <a:t>в Википедии</a:t>
             </a:r>
             <a:endParaRPr lang="ru-RU" dirty="0" smtClean="0"/>
           </a:p>
@@ -3793,11 +3801,7 @@
             <a:pPr lvl="1"/>
             <a:r>
               <a:rPr lang="ru-RU" sz="2200" dirty="0" smtClean="0"/>
-              <a:t>М</a:t>
-            </a:r>
-            <a:r>
-              <a:rPr lang="ru-RU" sz="2200" dirty="0" smtClean="0"/>
-              <a:t>атематика</a:t>
+              <a:t>Математика</a:t>
             </a:r>
             <a:r>
               <a:rPr lang="en-US" sz="2200" dirty="0" smtClean="0"/>
@@ -3854,13 +3858,17 @@
               <a:rPr lang="ru-RU" sz="2200" dirty="0" smtClean="0"/>
               <a:t>предложения от компаний</a:t>
             </a:r>
-            <a:endParaRPr lang="ru-RU" sz="2200" dirty="0" smtClean="0"/>
-          </a:p>
-          <a:p>
-            <a:r>
-              <a:rPr lang="ru-RU" dirty="0" smtClean="0"/>
-              <a:t>Оценка результата</a:t>
-            </a:r>
+          </a:p>
+          <a:p>
+            <a:r>
+              <a:rPr lang="ru-RU" dirty="0" smtClean="0"/>
+              <a:t>Оценка </a:t>
+            </a:r>
+            <a:r>
+              <a:rPr lang="ru-RU" dirty="0" smtClean="0"/>
+              <a:t>результатов</a:t>
+            </a:r>
+            <a:endParaRPr lang="ru-RU" dirty="0" smtClean="0"/>
           </a:p>
           <a:p>
             <a:pPr lvl="1"/>
@@ -3874,27 +3882,11 @@
             </a:r>
             <a:r>
               <a:rPr lang="ru-RU" dirty="0" smtClean="0"/>
-              <a:t>правильно классифированны</a:t>
-            </a:r>
-            <a:r>
-              <a:rPr lang="ru-RU" dirty="0" smtClean="0"/>
-              <a:t>е</a:t>
-            </a:r>
-            <a:r>
-              <a:rPr lang="ru-RU" dirty="0" smtClean="0"/>
-              <a:t> к классу </a:t>
+              <a:t>правильно классифированные к классу </a:t>
             </a:r>
             <a:r>
               <a:rPr lang="en-US" dirty="0" smtClean="0"/>
-              <a:t>C</a:t>
-            </a:r>
-            <a:r>
-              <a:rPr lang="en-US" dirty="0" smtClean="0"/>
-              <a:t>}</a:t>
-            </a:r>
-            <a:r>
-              <a:rPr lang="en-US" dirty="0" smtClean="0"/>
-              <a:t> / {</a:t>
+              <a:t>C} / {</a:t>
             </a:r>
             <a:r>
               <a:rPr lang="ru-RU" dirty="0" smtClean="0"/>
@@ -3922,11 +3914,7 @@
             </a:r>
             <a:r>
               <a:rPr lang="en-US" dirty="0" smtClean="0"/>
-              <a:t>C} / </a:t>
-            </a:r>
-            <a:r>
-              <a:rPr lang="en-US" dirty="0" smtClean="0"/>
-              <a:t>{</a:t>
+              <a:t>C} / {</a:t>
             </a:r>
             <a:r>
               <a:rPr lang="ru-RU" dirty="0" smtClean="0"/>
@@ -3948,7 +3936,6 @@
               <a:rPr lang="ru-RU" dirty="0" smtClean="0"/>
               <a:t>-мера – среднее гармоническое точности и полноты</a:t>
             </a:r>
-            <a:endParaRPr lang="ru-RU" dirty="0" smtClean="0"/>
           </a:p>
         </p:txBody>
       </p:sp>
@@ -4031,11 +4018,7 @@
             <a:pPr lvl="1"/>
             <a:r>
               <a:rPr lang="ru-RU" dirty="0" smtClean="0"/>
-              <a:t>Н</a:t>
-            </a:r>
-            <a:r>
-              <a:rPr lang="ru-RU" dirty="0" smtClean="0"/>
-              <a:t>аивный байесовский</a:t>
+              <a:t>Наивный байесовский</a:t>
             </a:r>
           </a:p>
           <a:p>
@@ -4070,11 +4053,7 @@
             <a:pPr lvl="1"/>
             <a:r>
               <a:rPr lang="en-US" dirty="0" err="1" smtClean="0"/>
-              <a:t>k</a:t>
-            </a:r>
-            <a:r>
-              <a:rPr lang="en-US" dirty="0" err="1" smtClean="0"/>
-              <a:t>means</a:t>
+              <a:t>kmeans</a:t>
             </a:r>
             <a:r>
               <a:rPr lang="en-US" dirty="0" smtClean="0"/>
@@ -4180,13 +4159,31 @@
         <p:spPr/>
         <p:txBody>
           <a:bodyPr>
-            <a:normAutofit fontScale="92500"/>
+            <a:normAutofit fontScale="92500" lnSpcReduction="10000"/>
           </a:bodyPr>
           <a:lstStyle/>
           <a:p>
             <a:r>
               <a:rPr lang="ru-RU" dirty="0" smtClean="0"/>
-              <a:t>Наилучшие результаты (как с использование, так и без контекста) показал алгоритм </a:t>
+              <a:t>Сравниваем «базовый» алгоритм классификации и построенный по моей схеме </a:t>
+            </a:r>
+          </a:p>
+          <a:p>
+            <a:r>
+              <a:rPr lang="ru-RU" dirty="0" smtClean="0"/>
+              <a:t>Наилучшие </a:t>
+            </a:r>
+            <a:r>
+              <a:rPr lang="ru-RU" dirty="0" smtClean="0"/>
+              <a:t>результаты </a:t>
+            </a:r>
+            <a:r>
+              <a:rPr lang="ru-RU" dirty="0" smtClean="0"/>
+              <a:t>показал </a:t>
+            </a:r>
+            <a:r>
+              <a:rPr lang="ru-RU" dirty="0" smtClean="0"/>
+              <a:t>алгоритм </a:t>
             </a:r>
             <a:r>
               <a:rPr lang="en-US" dirty="0" smtClean="0"/>
@@ -4243,7 +4240,15 @@
           <a:p>
             <a:r>
               <a:rPr lang="ru-RU" dirty="0" smtClean="0"/>
-              <a:t>Наиболее сбалансированным алгоритмом кластеризации является </a:t>
+              <a:t>Наиболее </a:t>
+            </a:r>
+            <a:r>
+              <a:rPr lang="ru-RU" dirty="0" smtClean="0"/>
+              <a:t>подходящим </a:t>
+            </a:r>
+            <a:r>
+              <a:rPr lang="ru-RU" dirty="0" smtClean="0"/>
+              <a:t>алгоритмом кластеризации является </a:t>
             </a:r>
             <a:r>
               <a:rPr lang="en-US" dirty="0" err="1" smtClean="0"/>
@@ -4254,21 +4259,20 @@
           <a:p>
             <a:r>
               <a:rPr lang="ru-RU" dirty="0" smtClean="0"/>
-              <a:t>Наибольше улучшение демонстрирует </a:t>
+              <a:t>Наименьшее </a:t>
+            </a:r>
+            <a:r>
+              <a:rPr lang="ru-RU" dirty="0" smtClean="0"/>
+              <a:t>улучшение </a:t>
             </a:r>
             <a:r>
               <a:rPr lang="en-US" dirty="0" smtClean="0"/>
-              <a:t>SVM, </a:t>
-            </a:r>
-            <a:r>
-              <a:rPr lang="ru-RU" dirty="0" smtClean="0"/>
-              <a:t>наименьшее – </a:t>
+              <a:t>J48</a:t>
             </a:r>
             <a:r>
               <a:rPr lang="en-US" dirty="0" smtClean="0"/>
-              <a:t>J48.</a:t>
-            </a:r>
-            <a:endParaRPr lang="en-US" dirty="0" smtClean="0"/>
+              <a:t>.</a:t>
+            </a:r>
           </a:p>
           <a:p>
             <a:endParaRPr lang="ru-RU" dirty="0" smtClean="0"/>
@@ -4344,8 +4348,17 @@
           <a:p>
             <a:r>
               <a:rPr lang="ru-RU" dirty="0" smtClean="0"/>
-              <a:t>Создан алгоритм классификации записей из кикроблогов</a:t>
-            </a:r>
+              <a:t>Создан алгоритм классификации записей из </a:t>
+            </a:r>
+            <a:r>
+              <a:rPr lang="ru-RU" dirty="0" smtClean="0"/>
+              <a:t>м</a:t>
+            </a:r>
+            <a:r>
+              <a:rPr lang="ru-RU" dirty="0" smtClean="0"/>
+              <a:t>икроблогов</a:t>
+            </a:r>
+            <a:endParaRPr lang="ru-RU" dirty="0" smtClean="0"/>
           </a:p>
           <a:p>
             <a:pPr lvl="1"/>
@@ -4360,7 +4373,6 @@
               <a:rPr lang="ru-RU" dirty="0" smtClean="0"/>
               <a:t>Использующий Википедию, как источник дополнительных  данных</a:t>
             </a:r>
-            <a:endParaRPr lang="ru-RU" dirty="0" smtClean="0"/>
           </a:p>
           <a:p>
             <a:r>

--- a/docs/diploma.pptx
+++ b/docs/diploma.pptx
@@ -4,6 +4,9 @@
   <p:sldMasterIdLst>
     <p:sldMasterId id="2147483648" r:id="rId1"/>
   </p:sldMasterIdLst>
+  <p:handoutMasterIdLst>
+    <p:handoutMasterId r:id="rId11"/>
+  </p:handoutMasterIdLst>
   <p:sldIdLst>
     <p:sldId id="256" r:id="rId2"/>
     <p:sldId id="257" r:id="rId3"/>
@@ -113,6 +116,166 @@
     </a:lvl9pPr>
   </p:defaultTextStyle>
 </p:presentation>
+</file>
+
+<file path=ppt/handoutMasters/handoutMaster1.xml><?xml version="1.0" encoding="utf-8"?>
+<p:handoutMaster xmlns:a="http://schemas.openxmlformats.org/drawingml/2006/main" xmlns:r="http://schemas.openxmlformats.org/officeDocument/2006/relationships" xmlns:p="http://schemas.openxmlformats.org/presentationml/2006/main">
+  <p:cSld>
+    <p:bg>
+      <p:bgRef idx="1001">
+        <a:schemeClr val="bg1"/>
+      </p:bgRef>
+    </p:bg>
+    <p:spTree>
+      <p:nvGrpSpPr>
+        <p:cNvPr id="1" name=""/>
+        <p:cNvGrpSpPr/>
+        <p:nvPr/>
+      </p:nvGrpSpPr>
+      <p:grpSpPr>
+        <a:xfrm>
+          <a:off x="0" y="0"/>
+          <a:ext cx="0" cy="0"/>
+          <a:chOff x="0" y="0"/>
+          <a:chExt cx="0" cy="0"/>
+        </a:xfrm>
+      </p:grpSpPr>
+      <p:sp>
+        <p:nvSpPr>
+          <p:cNvPr id="2" name="Header Placeholder 1"/>
+          <p:cNvSpPr>
+            <a:spLocks noGrp="1"/>
+          </p:cNvSpPr>
+          <p:nvPr>
+            <p:ph type="hdr" sz="quarter"/>
+          </p:nvPr>
+        </p:nvSpPr>
+        <p:spPr>
+          <a:xfrm>
+            <a:off x="0" y="0"/>
+            <a:ext cx="2971800" cy="457200"/>
+          </a:xfrm>
+          <a:prstGeom prst="rect">
+            <a:avLst/>
+          </a:prstGeom>
+        </p:spPr>
+        <p:txBody>
+          <a:bodyPr vert="horz" lIns="91440" tIns="45720" rIns="91440" bIns="45720" rtlCol="0"/>
+          <a:lstStyle>
+            <a:lvl1pPr algn="l">
+              <a:defRPr sz="1200"/>
+            </a:lvl1pPr>
+          </a:lstStyle>
+          <a:p>
+            <a:endParaRPr lang="en-US"/>
+          </a:p>
+        </p:txBody>
+      </p:sp>
+      <p:sp>
+        <p:nvSpPr>
+          <p:cNvPr id="3" name="Date Placeholder 2"/>
+          <p:cNvSpPr>
+            <a:spLocks noGrp="1"/>
+          </p:cNvSpPr>
+          <p:nvPr>
+            <p:ph type="dt" sz="quarter" idx="1"/>
+          </p:nvPr>
+        </p:nvSpPr>
+        <p:spPr>
+          <a:xfrm>
+            <a:off x="3884613" y="0"/>
+            <a:ext cx="2971800" cy="457200"/>
+          </a:xfrm>
+          <a:prstGeom prst="rect">
+            <a:avLst/>
+          </a:prstGeom>
+        </p:spPr>
+        <p:txBody>
+          <a:bodyPr vert="horz" lIns="91440" tIns="45720" rIns="91440" bIns="45720" rtlCol="0"/>
+          <a:lstStyle>
+            <a:lvl1pPr algn="r">
+              <a:defRPr sz="1200"/>
+            </a:lvl1pPr>
+          </a:lstStyle>
+          <a:p>
+            <a:fld id="{FB89E5D2-1426-4D1F-8754-F8FF6058023F}" type="datetimeFigureOut">
+              <a:rPr lang="en-US" smtClean="0"/>
+              <a:t>5/22/2012</a:t>
+            </a:fld>
+            <a:endParaRPr lang="en-US"/>
+          </a:p>
+        </p:txBody>
+      </p:sp>
+      <p:sp>
+        <p:nvSpPr>
+          <p:cNvPr id="4" name="Footer Placeholder 3"/>
+          <p:cNvSpPr>
+            <a:spLocks noGrp="1"/>
+          </p:cNvSpPr>
+          <p:nvPr>
+            <p:ph type="ftr" sz="quarter" idx="2"/>
+          </p:nvPr>
+        </p:nvSpPr>
+        <p:spPr>
+          <a:xfrm>
+            <a:off x="0" y="8685213"/>
+            <a:ext cx="2971800" cy="457200"/>
+          </a:xfrm>
+          <a:prstGeom prst="rect">
+            <a:avLst/>
+          </a:prstGeom>
+        </p:spPr>
+        <p:txBody>
+          <a:bodyPr vert="horz" lIns="91440" tIns="45720" rIns="91440" bIns="45720" rtlCol="0" anchor="b"/>
+          <a:lstStyle>
+            <a:lvl1pPr algn="l">
+              <a:defRPr sz="1200"/>
+            </a:lvl1pPr>
+          </a:lstStyle>
+          <a:p>
+            <a:endParaRPr lang="en-US"/>
+          </a:p>
+        </p:txBody>
+      </p:sp>
+      <p:sp>
+        <p:nvSpPr>
+          <p:cNvPr id="5" name="Slide Number Placeholder 4"/>
+          <p:cNvSpPr>
+            <a:spLocks noGrp="1"/>
+          </p:cNvSpPr>
+          <p:nvPr>
+            <p:ph type="sldNum" sz="quarter" idx="3"/>
+          </p:nvPr>
+        </p:nvSpPr>
+        <p:spPr>
+          <a:xfrm>
+            <a:off x="3884613" y="8685213"/>
+            <a:ext cx="2971800" cy="457200"/>
+          </a:xfrm>
+          <a:prstGeom prst="rect">
+            <a:avLst/>
+          </a:prstGeom>
+        </p:spPr>
+        <p:txBody>
+          <a:bodyPr vert="horz" lIns="91440" tIns="45720" rIns="91440" bIns="45720" rtlCol="0" anchor="b"/>
+          <a:lstStyle>
+            <a:lvl1pPr algn="r">
+              <a:defRPr sz="1200"/>
+            </a:lvl1pPr>
+          </a:lstStyle>
+          <a:p>
+            <a:fld id="{6F812B4D-4E60-4B0B-872C-250BFDB900D5}" type="slidenum">
+              <a:rPr lang="en-US" smtClean="0"/>
+              <a:t>‹#›</a:t>
+            </a:fld>
+            <a:endParaRPr lang="en-US"/>
+          </a:p>
+        </p:txBody>
+      </p:sp>
+    </p:spTree>
+  </p:cSld>
+  <p:clrMap bg1="lt1" tx1="dk1" bg2="lt2" tx2="dk2" accent1="accent1" accent2="accent2" accent3="accent3" accent4="accent4" accent5="accent5" accent6="accent6" hlink="hlink" folHlink="folHlink"/>
+</p:handoutMaster>
 </file>
 
 <file path=ppt/slideLayouts/slideLayout1.xml><?xml version="1.0" encoding="utf-8"?>
@@ -3659,14 +3822,19 @@
         <p:spPr/>
         <p:txBody>
           <a:bodyPr>
-            <a:normAutofit fontScale="92500"/>
+            <a:normAutofit lnSpcReduction="10000"/>
           </a:bodyPr>
           <a:lstStyle/>
           <a:p>
             <a:r>
               <a:rPr lang="ru-RU" dirty="0" smtClean="0"/>
-              <a:t>Алгоритмы классификации требуют векторов, не способны принимать просто текст</a:t>
-            </a:r>
+              <a:t>Алгоритмы классификации требуют </a:t>
+            </a:r>
+            <a:r>
+              <a:rPr lang="ru-RU" dirty="0" smtClean="0"/>
+              <a:t>векторов</a:t>
+            </a:r>
+            <a:endParaRPr lang="ru-RU" dirty="0" smtClean="0"/>
           </a:p>
           <a:p>
             <a:r>
@@ -4264,6 +4432,10 @@
             <a:r>
               <a:rPr lang="ru-RU" dirty="0" smtClean="0"/>
               <a:t>улучшение </a:t>
+            </a:r>
+            <a:r>
+              <a:rPr lang="ru-RU" dirty="0" smtClean="0"/>
+              <a:t>- </a:t>
             </a:r>
             <a:r>
               <a:rPr lang="en-US" dirty="0" smtClean="0"/>
@@ -4671,4 +4843,287 @@
   <a:objectDefaults/>
   <a:extraClrSchemeLst/>
 </a:theme>
+</file>
+
+<file path=ppt/theme/theme2.xml><?xml version="1.0" encoding="utf-8"?>
+<a:theme xmlns:a="http://schemas.openxmlformats.org/drawingml/2006/main" name="Office Theme">
+  <a:themeElements>
+    <a:clrScheme name="Office">
+      <a:dk1>
+        <a:sysClr val="windowText" lastClr="000000"/>
+      </a:dk1>
+      <a:lt1>
+        <a:sysClr val="window" lastClr="FFFFFF"/>
+      </a:lt1>
+      <a:dk2>
+        <a:srgbClr val="1F497D"/>
+      </a:dk2>
+      <a:lt2>
+        <a:srgbClr val="EEECE1"/>
+      </a:lt2>
+      <a:accent1>
+        <a:srgbClr val="4F81BD"/>
+      </a:accent1>
+      <a:accent2>
+        <a:srgbClr val="C0504D"/>
+      </a:accent2>
+      <a:accent3>
+        <a:srgbClr val="9BBB59"/>
+      </a:accent3>
+      <a:accent4>
+        <a:srgbClr val="8064A2"/>
+      </a:accent4>
+      <a:accent5>
+        <a:srgbClr val="4BACC6"/>
+      </a:accent5>
+      <a:accent6>
+        <a:srgbClr val="F79646"/>
+      </a:accent6>
+      <a:hlink>
+        <a:srgbClr val="0000FF"/>
+      </a:hlink>
+      <a:folHlink>
+        <a:srgbClr val="800080"/>
+      </a:folHlink>
+    </a:clrScheme>
+    <a:fontScheme name="Office">
+      <a:majorFont>
+        <a:latin typeface="Calibri"/>
+        <a:ea typeface=""/>
+        <a:cs typeface=""/>
+        <a:font script="Jpan" typeface="ＭＳ Ｐゴシック"/>
+        <a:font script="Hang" typeface="맑은 고딕"/>
+        <a:font script="Hans" typeface="宋体"/>
+        <a:font script="Hant" typeface="新細明體"/>
+        <a:font script="Arab" typeface="Times New Roman"/>
+        <a:font script="Hebr" typeface="Times New Roman"/>
+        <a:font script="Thai" typeface="Angsana New"/>
+        <a:font script="Ethi" typeface="Nyala"/>
+        <a:font script="Beng" typeface="Vrinda"/>
+        <a:font script="Gujr" typeface="Shruti"/>
+        <a:font script="Khmr" typeface="MoolBoran"/>
+        <a:font script="Knda" typeface="Tunga"/>
+        <a:font script="Guru" typeface="Raavi"/>
+        <a:font script="Cans" typeface="Euphemia"/>
+        <a:font script="Cher" typeface="Plantagenet Cherokee"/>
+        <a:font script="Yiii" typeface="Microsoft Yi Baiti"/>
+        <a:font script="Tibt" typeface="Microsoft Himalaya"/>
+        <a:font script="Thaa" typeface="MV Boli"/>
+        <a:font script="Deva" typeface="Mangal"/>
+        <a:font script="Telu" typeface="Gautami"/>
+        <a:font script="Taml" typeface="Latha"/>
+        <a:font script="Syrc" typeface="Estrangelo Edessa"/>
+        <a:font script="Orya" typeface="Kalinga"/>
+        <a:font script="Mlym" typeface="Kartika"/>
+        <a:font script="Laoo" typeface="DokChampa"/>
+        <a:font script="Sinh" typeface="Iskoola Pota"/>
+        <a:font script="Mong" typeface="Mongolian Baiti"/>
+        <a:font script="Viet" typeface="Times New Roman"/>
+        <a:font script="Uigh" typeface="Microsoft Uighur"/>
+      </a:majorFont>
+      <a:minorFont>
+        <a:latin typeface="Calibri"/>
+        <a:ea typeface=""/>
+        <a:cs typeface=""/>
+        <a:font script="Jpan" typeface="ＭＳ Ｐゴシック"/>
+        <a:font script="Hang" typeface="맑은 고딕"/>
+        <a:font script="Hans" typeface="宋体"/>
+        <a:font script="Hant" typeface="新細明體"/>
+        <a:font script="Arab" typeface="Arial"/>
+        <a:font script="Hebr" typeface="Arial"/>
+        <a:font script="Thai" typeface="Cordia New"/>
+        <a:font script="Ethi" typeface="Nyala"/>
+        <a:font script="Beng" typeface="Vrinda"/>
+        <a:font script="Gujr" typeface="Shruti"/>
+        <a:font script="Khmr" typeface="DaunPenh"/>
+        <a:font script="Knda" typeface="Tunga"/>
+        <a:font script="Guru" typeface="Raavi"/>
+        <a:font script="Cans" typeface="Euphemia"/>
+        <a:font script="Cher" typeface="Plantagenet Cherokee"/>
+        <a:font script="Yiii" typeface="Microsoft Yi Baiti"/>
+        <a:font script="Tibt" typeface="Microsoft Himalaya"/>
+        <a:font script="Thaa" typeface="MV Boli"/>
+        <a:font script="Deva" typeface="Mangal"/>
+        <a:font script="Telu" typeface="Gautami"/>
+        <a:font script="Taml" typeface="Latha"/>
+        <a:font script="Syrc" typeface="Estrangelo Edessa"/>
+        <a:font script="Orya" typeface="Kalinga"/>
+        <a:font script="Mlym" typeface="Kartika"/>
+        <a:font script="Laoo" typeface="DokChampa"/>
+        <a:font script="Sinh" typeface="Iskoola Pota"/>
+        <a:font script="Mong" typeface="Mongolian Baiti"/>
+        <a:font script="Viet" typeface="Arial"/>
+        <a:font script="Uigh" typeface="Microsoft Uighur"/>
+      </a:minorFont>
+    </a:fontScheme>
+    <a:fmtScheme name="Office">
+      <a:fillStyleLst>
+        <a:solidFill>
+          <a:schemeClr val="phClr"/>
+        </a:solidFill>
+        <a:gradFill rotWithShape="1">
+          <a:gsLst>
+            <a:gs pos="0">
+              <a:schemeClr val="phClr">
+                <a:tint val="50000"/>
+                <a:satMod val="300000"/>
+              </a:schemeClr>
+            </a:gs>
+            <a:gs pos="35000">
+              <a:schemeClr val="phClr">
+                <a:tint val="37000"/>
+                <a:satMod val="300000"/>
+              </a:schemeClr>
+            </a:gs>
+            <a:gs pos="100000">
+              <a:schemeClr val="phClr">
+                <a:tint val="15000"/>
+                <a:satMod val="350000"/>
+              </a:schemeClr>
+            </a:gs>
+          </a:gsLst>
+          <a:lin ang="16200000" scaled="1"/>
+        </a:gradFill>
+        <a:gradFill rotWithShape="1">
+          <a:gsLst>
+            <a:gs pos="0">
+              <a:schemeClr val="phClr">
+                <a:shade val="51000"/>
+                <a:satMod val="130000"/>
+              </a:schemeClr>
+            </a:gs>
+            <a:gs pos="80000">
+              <a:schemeClr val="phClr">
+                <a:shade val="93000"/>
+                <a:satMod val="130000"/>
+              </a:schemeClr>
+            </a:gs>
+            <a:gs pos="100000">
+              <a:schemeClr val="phClr">
+                <a:shade val="94000"/>
+                <a:satMod val="135000"/>
+              </a:schemeClr>
+            </a:gs>
+          </a:gsLst>
+          <a:lin ang="16200000" scaled="0"/>
+        </a:gradFill>
+      </a:fillStyleLst>
+      <a:lnStyleLst>
+        <a:ln w="9525" cap="flat" cmpd="sng" algn="ctr">
+          <a:solidFill>
+            <a:schemeClr val="phClr">
+              <a:shade val="95000"/>
+              <a:satMod val="105000"/>
+            </a:schemeClr>
+          </a:solidFill>
+          <a:prstDash val="solid"/>
+        </a:ln>
+        <a:ln w="25400" cap="flat" cmpd="sng" algn="ctr">
+          <a:solidFill>
+            <a:schemeClr val="phClr"/>
+          </a:solidFill>
+          <a:prstDash val="solid"/>
+        </a:ln>
+        <a:ln w="38100" cap="flat" cmpd="sng" algn="ctr">
+          <a:solidFill>
+            <a:schemeClr val="phClr"/>
+          </a:solidFill>
+          <a:prstDash val="solid"/>
+        </a:ln>
+      </a:lnStyleLst>
+      <a:effectStyleLst>
+        <a:effectStyle>
+          <a:effectLst>
+            <a:outerShdw blurRad="40000" dist="20000" dir="5400000" rotWithShape="0">
+              <a:srgbClr val="000000">
+                <a:alpha val="38000"/>
+              </a:srgbClr>
+            </a:outerShdw>
+          </a:effectLst>
+        </a:effectStyle>
+        <a:effectStyle>
+          <a:effectLst>
+            <a:outerShdw blurRad="40000" dist="23000" dir="5400000" rotWithShape="0">
+              <a:srgbClr val="000000">
+                <a:alpha val="35000"/>
+              </a:srgbClr>
+            </a:outerShdw>
+          </a:effectLst>
+        </a:effectStyle>
+        <a:effectStyle>
+          <a:effectLst>
+            <a:outerShdw blurRad="40000" dist="23000" dir="5400000" rotWithShape="0">
+              <a:srgbClr val="000000">
+                <a:alpha val="35000"/>
+              </a:srgbClr>
+            </a:outerShdw>
+          </a:effectLst>
+          <a:scene3d>
+            <a:camera prst="orthographicFront">
+              <a:rot lat="0" lon="0" rev="0"/>
+            </a:camera>
+            <a:lightRig rig="threePt" dir="t">
+              <a:rot lat="0" lon="0" rev="1200000"/>
+            </a:lightRig>
+          </a:scene3d>
+          <a:sp3d>
+            <a:bevelT w="63500" h="25400"/>
+          </a:sp3d>
+        </a:effectStyle>
+      </a:effectStyleLst>
+      <a:bgFillStyleLst>
+        <a:solidFill>
+          <a:schemeClr val="phClr"/>
+        </a:solidFill>
+        <a:gradFill rotWithShape="1">
+          <a:gsLst>
+            <a:gs pos="0">
+              <a:schemeClr val="phClr">
+                <a:tint val="40000"/>
+                <a:satMod val="350000"/>
+              </a:schemeClr>
+            </a:gs>
+            <a:gs pos="40000">
+              <a:schemeClr val="phClr">
+                <a:tint val="45000"/>
+                <a:shade val="99000"/>
+                <a:satMod val="350000"/>
+              </a:schemeClr>
+            </a:gs>
+            <a:gs pos="100000">
+              <a:schemeClr val="phClr">
+                <a:shade val="20000"/>
+                <a:satMod val="255000"/>
+              </a:schemeClr>
+            </a:gs>
+          </a:gsLst>
+          <a:path path="circle">
+            <a:fillToRect l="50000" t="-80000" r="50000" b="180000"/>
+          </a:path>
+        </a:gradFill>
+        <a:gradFill rotWithShape="1">
+          <a:gsLst>
+            <a:gs pos="0">
+              <a:schemeClr val="phClr">
+                <a:tint val="80000"/>
+                <a:satMod val="300000"/>
+              </a:schemeClr>
+            </a:gs>
+            <a:gs pos="100000">
+              <a:schemeClr val="phClr">
+                <a:shade val="30000"/>
+                <a:satMod val="200000"/>
+              </a:schemeClr>
+            </a:gs>
+          </a:gsLst>
+          <a:path path="circle">
+            <a:fillToRect l="50000" t="50000" r="50000" b="50000"/>
+          </a:path>
+        </a:gradFill>
+      </a:bgFillStyleLst>
+    </a:fmtScheme>
+  </a:themeElements>
+  <a:objectDefaults/>
+  <a:extraClrSchemeLst/>
+</a:theme>
 </file>
--- a/docs/diploma.pptx
+++ b/docs/diploma.pptx
@@ -200,7 +200,8 @@
           <a:p>
             <a:fld id="{FB89E5D2-1426-4D1F-8754-F8FF6058023F}" type="datetimeFigureOut">
               <a:rPr lang="en-US" smtClean="0"/>
-              <a:t>5/22/2012</a:t>
+              <a:pPr/>
+              <a:t>6/6/2012</a:t>
             </a:fld>
             <a:endParaRPr lang="en-US"/>
           </a:p>
@@ -266,6 +267,7 @@
           <a:p>
             <a:fld id="{6F812B4D-4E60-4B0B-872C-250BFDB900D5}" type="slidenum">
               <a:rPr lang="en-US" smtClean="0"/>
+              <a:pPr/>
               <a:t>‹#›</a:t>
             </a:fld>
             <a:endParaRPr lang="en-US"/>
@@ -460,7 +462,7 @@
             <a:fld id="{C561F99B-DEDC-4780-99C9-30424E62093C}" type="datetimeFigureOut">
               <a:rPr lang="en-US" smtClean="0"/>
               <a:pPr/>
-              <a:t>5/22/2012</a:t>
+              <a:t>6/6/2012</a:t>
             </a:fld>
             <a:endParaRPr lang="en-US"/>
           </a:p>
@@ -627,7 +629,7 @@
             <a:fld id="{C561F99B-DEDC-4780-99C9-30424E62093C}" type="datetimeFigureOut">
               <a:rPr lang="en-US" smtClean="0"/>
               <a:pPr/>
-              <a:t>5/22/2012</a:t>
+              <a:t>6/6/2012</a:t>
             </a:fld>
             <a:endParaRPr lang="en-US"/>
           </a:p>
@@ -804,7 +806,7 @@
             <a:fld id="{C561F99B-DEDC-4780-99C9-30424E62093C}" type="datetimeFigureOut">
               <a:rPr lang="en-US" smtClean="0"/>
               <a:pPr/>
-              <a:t>5/22/2012</a:t>
+              <a:t>6/6/2012</a:t>
             </a:fld>
             <a:endParaRPr lang="en-US"/>
           </a:p>
@@ -971,7 +973,7 @@
             <a:fld id="{C561F99B-DEDC-4780-99C9-30424E62093C}" type="datetimeFigureOut">
               <a:rPr lang="en-US" smtClean="0"/>
               <a:pPr/>
-              <a:t>5/22/2012</a:t>
+              <a:t>6/6/2012</a:t>
             </a:fld>
             <a:endParaRPr lang="en-US"/>
           </a:p>
@@ -1214,7 +1216,7 @@
             <a:fld id="{C561F99B-DEDC-4780-99C9-30424E62093C}" type="datetimeFigureOut">
               <a:rPr lang="en-US" smtClean="0"/>
               <a:pPr/>
-              <a:t>5/22/2012</a:t>
+              <a:t>6/6/2012</a:t>
             </a:fld>
             <a:endParaRPr lang="en-US"/>
           </a:p>
@@ -1499,7 +1501,7 @@
             <a:fld id="{C561F99B-DEDC-4780-99C9-30424E62093C}" type="datetimeFigureOut">
               <a:rPr lang="en-US" smtClean="0"/>
               <a:pPr/>
-              <a:t>5/22/2012</a:t>
+              <a:t>6/6/2012</a:t>
             </a:fld>
             <a:endParaRPr lang="en-US"/>
           </a:p>
@@ -1918,7 +1920,7 @@
             <a:fld id="{C561F99B-DEDC-4780-99C9-30424E62093C}" type="datetimeFigureOut">
               <a:rPr lang="en-US" smtClean="0"/>
               <a:pPr/>
-              <a:t>5/22/2012</a:t>
+              <a:t>6/6/2012</a:t>
             </a:fld>
             <a:endParaRPr lang="en-US"/>
           </a:p>
@@ -2033,7 +2035,7 @@
             <a:fld id="{C561F99B-DEDC-4780-99C9-30424E62093C}" type="datetimeFigureOut">
               <a:rPr lang="en-US" smtClean="0"/>
               <a:pPr/>
-              <a:t>5/22/2012</a:t>
+              <a:t>6/6/2012</a:t>
             </a:fld>
             <a:endParaRPr lang="en-US"/>
           </a:p>
@@ -2125,7 +2127,7 @@
             <a:fld id="{C561F99B-DEDC-4780-99C9-30424E62093C}" type="datetimeFigureOut">
               <a:rPr lang="en-US" smtClean="0"/>
               <a:pPr/>
-              <a:t>5/22/2012</a:t>
+              <a:t>6/6/2012</a:t>
             </a:fld>
             <a:endParaRPr lang="en-US"/>
           </a:p>
@@ -2399,7 +2401,7 @@
             <a:fld id="{C561F99B-DEDC-4780-99C9-30424E62093C}" type="datetimeFigureOut">
               <a:rPr lang="en-US" smtClean="0"/>
               <a:pPr/>
-              <a:t>5/22/2012</a:t>
+              <a:t>6/6/2012</a:t>
             </a:fld>
             <a:endParaRPr lang="en-US"/>
           </a:p>
@@ -2649,7 +2651,7 @@
             <a:fld id="{C561F99B-DEDC-4780-99C9-30424E62093C}" type="datetimeFigureOut">
               <a:rPr lang="en-US" smtClean="0"/>
               <a:pPr/>
-              <a:t>5/22/2012</a:t>
+              <a:t>6/6/2012</a:t>
             </a:fld>
             <a:endParaRPr lang="en-US"/>
           </a:p>
@@ -2859,7 +2861,7 @@
             <a:fld id="{C561F99B-DEDC-4780-99C9-30424E62093C}" type="datetimeFigureOut">
               <a:rPr lang="en-US" smtClean="0"/>
               <a:pPr/>
-              <a:t>5/22/2012</a:t>
+              <a:t>6/6/2012</a:t>
             </a:fld>
             <a:endParaRPr lang="en-US"/>
           </a:p>
@@ -3399,43 +3401,44 @@
             </a:r>
             <a:r>
               <a:rPr lang="en-US" b="1" dirty="0" smtClean="0"/>
-              <a:t>: ? ?</a:t>
+              <a:t>: </a:t>
+            </a:r>
+            <a:r>
+              <a:rPr lang="ru-RU" b="1" dirty="0" smtClean="0"/>
+              <a:t>Шалымов</a:t>
+            </a:r>
+            <a:r>
+              <a:rPr lang="en-US" b="1" dirty="0" smtClean="0"/>
+              <a:t> </a:t>
+            </a:r>
+            <a:r>
+              <a:rPr lang="ru-RU" b="1" dirty="0" smtClean="0"/>
+              <a:t>Д</a:t>
             </a:r>
             <a:r>
               <a:rPr lang="ru-RU" b="1" dirty="0" smtClean="0"/>
               <a:t>. </a:t>
             </a:r>
             <a:r>
-              <a:rPr lang="en-US" b="1" dirty="0" smtClean="0"/>
-              <a:t>?</a:t>
+              <a:rPr lang="ru-RU" b="1" dirty="0" smtClean="0"/>
+              <a:t>С</a:t>
             </a:r>
             <a:r>
               <a:rPr lang="ru-RU" b="1" dirty="0" smtClean="0"/>
               <a:t>.</a:t>
             </a:r>
-          </a:p>
-          <a:p>
-            <a:r>
-              <a:rPr lang="en-US" dirty="0" smtClean="0"/>
-              <a:t>?</a:t>
-            </a:r>
-            <a:r>
-              <a:rPr lang="ru-RU" dirty="0" smtClean="0"/>
-              <a:t>, </a:t>
-            </a:r>
-            <a:r>
-              <a:rPr lang="en-US" dirty="0" smtClean="0"/>
-              <a:t>?</a:t>
-            </a:r>
-            <a:r>
-              <a:rPr lang="ru-RU" dirty="0" smtClean="0"/>
-              <a:t>, </a:t>
-            </a:r>
-            <a:r>
-              <a:rPr lang="en-US" dirty="0" smtClean="0"/>
-              <a:t>?</a:t>
-            </a:r>
-            <a:endParaRPr lang="en-US" dirty="0"/>
+            <a:endParaRPr lang="ru-RU" b="1" dirty="0" smtClean="0"/>
+          </a:p>
+          <a:p>
+            <a:r>
+              <a:rPr lang="ru-RU" dirty="0" smtClean="0"/>
+              <a:t>Доцент, математико-механический факультет, </a:t>
+            </a:r>
+            <a:r>
+              <a:rPr lang="ru-RU" dirty="0" smtClean="0"/>
+              <a:t>СПбГУ</a:t>
+            </a:r>
+            <a:endParaRPr lang="en-US" dirty="0" smtClean="0"/>
           </a:p>
         </p:txBody>
       </p:sp>
@@ -3511,8 +3514,9 @@
           <a:p>
             <a:r>
               <a:rPr lang="ru-RU" dirty="0" smtClean="0"/>
-              <a:t>Микроблоги, как источник данных</a:t>
-            </a:r>
+              <a:t>Микроблоги как источник данных</a:t>
+            </a:r>
+            <a:endParaRPr lang="ru-RU" dirty="0" smtClean="0"/>
           </a:p>
           <a:p>
             <a:pPr lvl="1"/>
@@ -3537,6 +3541,46 @@
               <a:rPr lang="ru-RU" dirty="0" smtClean="0"/>
               <a:t>записей</a:t>
             </a:r>
+          </a:p>
+          <a:p>
+            <a:pPr lvl="1"/>
+            <a:r>
+              <a:rPr lang="ru-RU" dirty="0" smtClean="0"/>
+              <a:t>По тематике</a:t>
+            </a:r>
+          </a:p>
+          <a:p>
+            <a:pPr lvl="1"/>
+            <a:r>
+              <a:rPr lang="ru-RU" dirty="0" smtClean="0"/>
+              <a:t>Спам</a:t>
+            </a:r>
+            <a:r>
+              <a:rPr lang="en-US" dirty="0" smtClean="0"/>
+              <a:t>/</a:t>
+            </a:r>
+            <a:r>
+              <a:rPr lang="ru-RU" dirty="0" smtClean="0"/>
+              <a:t>не спам</a:t>
+            </a:r>
+          </a:p>
+          <a:p>
+            <a:pPr lvl="1"/>
+            <a:r>
+              <a:rPr lang="ru-RU" dirty="0" smtClean="0"/>
+              <a:t>Содержательные</a:t>
+            </a:r>
+            <a:r>
+              <a:rPr lang="en-US" dirty="0" smtClean="0"/>
+              <a:t>/</a:t>
+            </a:r>
+            <a:r>
+              <a:rPr lang="ru-RU" dirty="0" smtClean="0"/>
+              <a:t>не содержательные</a:t>
+            </a:r>
+          </a:p>
+          <a:p>
+            <a:pPr lvl="1"/>
             <a:endParaRPr lang="ru-RU" dirty="0" smtClean="0"/>
           </a:p>
         </p:txBody>
@@ -3613,7 +3657,15 @@
           <a:p>
             <a:r>
               <a:rPr lang="ru-RU" dirty="0" smtClean="0"/>
-              <a:t>Построить классификатор сообщений из микроблогов</a:t>
+              <a:t>Построить классификатор </a:t>
+            </a:r>
+            <a:r>
+              <a:rPr lang="ru-RU" dirty="0" smtClean="0"/>
+              <a:t>записей из </a:t>
+            </a:r>
+            <a:r>
+              <a:rPr lang="ru-RU" dirty="0" smtClean="0"/>
+              <a:t>микроблогов</a:t>
             </a:r>
           </a:p>
           <a:p>
@@ -3626,25 +3678,15 @@
             <a:pPr lvl="1"/>
             <a:r>
               <a:rPr lang="ru-RU" dirty="0" smtClean="0"/>
-              <a:t>В</a:t>
-            </a:r>
-            <a:r>
-              <a:rPr lang="ru-RU" dirty="0" smtClean="0"/>
-              <a:t>икипедию</a:t>
-            </a:r>
-            <a:endParaRPr lang="ru-RU" dirty="0" smtClean="0"/>
+              <a:t>Википедию</a:t>
+            </a:r>
           </a:p>
           <a:p>
             <a:pPr lvl="1"/>
             <a:r>
               <a:rPr lang="ru-RU" dirty="0" smtClean="0"/>
-              <a:t>К</a:t>
-            </a:r>
-            <a:r>
-              <a:rPr lang="ru-RU" dirty="0" smtClean="0"/>
-              <a:t>онтекст</a:t>
-            </a:r>
-            <a:endParaRPr lang="ru-RU" dirty="0" smtClean="0"/>
+              <a:t>Контекст</a:t>
+            </a:r>
           </a:p>
           <a:p>
             <a:pPr lvl="1"/>
@@ -3717,15 +3759,15 @@
           <a:p>
             <a:r>
               <a:rPr lang="ru-RU" dirty="0" smtClean="0"/>
-              <a:t>Использование других </a:t>
-            </a:r>
-            <a:r>
-              <a:rPr lang="ru-RU" dirty="0" smtClean="0"/>
-              <a:t>записей </a:t>
-            </a:r>
-            <a:r>
-              <a:rPr lang="ru-RU" dirty="0" smtClean="0"/>
-              <a:t>автора, как контекст для классификации</a:t>
+              <a:t>Использование других записей </a:t>
+            </a:r>
+            <a:r>
+              <a:rPr lang="ru-RU" dirty="0" smtClean="0"/>
+              <a:t>автора </a:t>
+            </a:r>
+            <a:r>
+              <a:rPr lang="ru-RU" dirty="0" smtClean="0"/>
+              <a:t>как контекст для классификации</a:t>
             </a:r>
           </a:p>
           <a:p>
@@ -3828,22 +3870,13 @@
           <a:p>
             <a:r>
               <a:rPr lang="ru-RU" dirty="0" smtClean="0"/>
-              <a:t>Алгоритмы классификации требуют </a:t>
-            </a:r>
-            <a:r>
-              <a:rPr lang="ru-RU" dirty="0" smtClean="0"/>
-              <a:t>векторов</a:t>
-            </a:r>
-            <a:endParaRPr lang="ru-RU" dirty="0" smtClean="0"/>
-          </a:p>
-          <a:p>
-            <a:r>
-              <a:rPr lang="ru-RU" dirty="0" smtClean="0"/>
-              <a:t>Использовать Википедию для преобразования текста в </a:t>
-            </a:r>
-            <a:r>
-              <a:rPr lang="ru-RU" dirty="0" smtClean="0"/>
-              <a:t>вектора</a:t>
+              <a:t>Алгоритмы классификации требуют векторов</a:t>
+            </a:r>
+          </a:p>
+          <a:p>
+            <a:r>
+              <a:rPr lang="ru-RU" dirty="0" smtClean="0"/>
+              <a:t>Использовать Википедию для преобразования текста в вектора</a:t>
             </a:r>
           </a:p>
           <a:p>
@@ -3851,27 +3884,13 @@
               <a:rPr lang="ru-RU" dirty="0" smtClean="0"/>
               <a:t>Алгоритм</a:t>
             </a:r>
-            <a:endParaRPr lang="ru-RU" dirty="0" smtClean="0"/>
           </a:p>
           <a:p>
             <a:pPr lvl="1"/>
             <a:r>
               <a:rPr lang="ru-RU" dirty="0" smtClean="0"/>
-              <a:t>Нахождение </a:t>
-            </a:r>
-            <a:r>
-              <a:rPr lang="ru-RU" dirty="0" smtClean="0"/>
-              <a:t>релевантных тексту </a:t>
-            </a:r>
-            <a:r>
-              <a:rPr lang="ru-RU" dirty="0" smtClean="0"/>
-              <a:t>страниц </a:t>
-            </a:r>
-            <a:r>
-              <a:rPr lang="ru-RU" dirty="0" smtClean="0"/>
-              <a:t>в Википедии</a:t>
-            </a:r>
-            <a:endParaRPr lang="ru-RU" dirty="0" smtClean="0"/>
+              <a:t>Нахождение релевантных тексту страниц в Википедии</a:t>
+            </a:r>
           </a:p>
           <a:p>
             <a:pPr lvl="1"/>
@@ -3962,7 +3981,11 @@
           <a:p>
             <a:r>
               <a:rPr lang="ru-RU" dirty="0" smtClean="0"/>
-              <a:t>Тестовые данные</a:t>
+              <a:t>Размеченные тестовые </a:t>
+            </a:r>
+            <a:r>
+              <a:rPr lang="ru-RU" dirty="0" smtClean="0"/>
+              <a:t>данные</a:t>
             </a:r>
           </a:p>
           <a:p>
@@ -4030,13 +4053,8 @@
           <a:p>
             <a:r>
               <a:rPr lang="ru-RU" dirty="0" smtClean="0"/>
-              <a:t>Оценка </a:t>
-            </a:r>
-            <a:r>
-              <a:rPr lang="ru-RU" dirty="0" smtClean="0"/>
-              <a:t>результатов</a:t>
-            </a:r>
-            <a:endParaRPr lang="ru-RU" dirty="0" smtClean="0"/>
+              <a:t>Оценка результатов</a:t>
+            </a:r>
           </a:p>
           <a:p>
             <a:pPr lvl="1"/>
@@ -4327,7 +4345,7 @@
         <p:spPr/>
         <p:txBody>
           <a:bodyPr>
-            <a:normAutofit fontScale="92500" lnSpcReduction="10000"/>
+            <a:normAutofit fontScale="92500" lnSpcReduction="20000"/>
           </a:bodyPr>
           <a:lstStyle/>
           <a:p>
@@ -4339,19 +4357,7 @@
           <a:p>
             <a:r>
               <a:rPr lang="ru-RU" dirty="0" smtClean="0"/>
-              <a:t>Наилучшие </a:t>
-            </a:r>
-            <a:r>
-              <a:rPr lang="ru-RU" dirty="0" smtClean="0"/>
-              <a:t>результаты </a:t>
-            </a:r>
-            <a:r>
-              <a:rPr lang="ru-RU" dirty="0" smtClean="0"/>
-              <a:t>показал </a:t>
-            </a:r>
-            <a:r>
-              <a:rPr lang="ru-RU" dirty="0" smtClean="0"/>
-              <a:t>алгоритм </a:t>
+              <a:t>Наилучшие результаты показал алгоритм </a:t>
             </a:r>
             <a:r>
               <a:rPr lang="en-US" dirty="0" smtClean="0"/>
@@ -4408,15 +4414,7 @@
           <a:p>
             <a:r>
               <a:rPr lang="ru-RU" dirty="0" smtClean="0"/>
-              <a:t>Наиболее </a:t>
-            </a:r>
-            <a:r>
-              <a:rPr lang="ru-RU" dirty="0" smtClean="0"/>
-              <a:t>подходящим </a:t>
-            </a:r>
-            <a:r>
-              <a:rPr lang="ru-RU" dirty="0" smtClean="0"/>
-              <a:t>алгоритмом кластеризации является </a:t>
+              <a:t>Наиболее подходящим алгоритмом кластеризации является </a:t>
             </a:r>
             <a:r>
               <a:rPr lang="en-US" dirty="0" err="1" smtClean="0"/>
@@ -4427,24 +4425,17 @@
           <a:p>
             <a:r>
               <a:rPr lang="ru-RU" dirty="0" smtClean="0"/>
-              <a:t>Наименьшее </a:t>
-            </a:r>
-            <a:r>
-              <a:rPr lang="ru-RU" dirty="0" smtClean="0"/>
-              <a:t>улучшение </a:t>
-            </a:r>
-            <a:r>
-              <a:rPr lang="ru-RU" dirty="0" smtClean="0"/>
-              <a:t>- </a:t>
-            </a:r>
-            <a:r>
-              <a:rPr lang="en-US" dirty="0" smtClean="0"/>
-              <a:t>J48</a:t>
+              <a:t>Наименьшее улучшение </a:t>
+            </a:r>
+            <a:r>
+              <a:rPr lang="ru-RU" dirty="0" smtClean="0"/>
+              <a:t>– наивный байесовский алгоритм</a:t>
             </a:r>
             <a:r>
               <a:rPr lang="en-US" dirty="0" smtClean="0"/>
               <a:t>.</a:t>
             </a:r>
+            <a:endParaRPr lang="en-US" dirty="0" smtClean="0"/>
           </a:p>
           <a:p>
             <a:endParaRPr lang="ru-RU" dirty="0" smtClean="0"/>
@@ -4520,17 +4511,8 @@
           <a:p>
             <a:r>
               <a:rPr lang="ru-RU" dirty="0" smtClean="0"/>
-              <a:t>Создан алгоритм классификации записей из </a:t>
-            </a:r>
-            <a:r>
-              <a:rPr lang="ru-RU" dirty="0" smtClean="0"/>
-              <a:t>м</a:t>
-            </a:r>
-            <a:r>
-              <a:rPr lang="ru-RU" dirty="0" smtClean="0"/>
-              <a:t>икроблогов</a:t>
-            </a:r>
-            <a:endParaRPr lang="ru-RU" dirty="0" smtClean="0"/>
+              <a:t>Создан алгоритм классификации записей из микроблогов</a:t>
+            </a:r>
           </a:p>
           <a:p>
             <a:pPr lvl="1"/>
@@ -4543,7 +4525,27 @@
             <a:pPr lvl="1"/>
             <a:r>
               <a:rPr lang="ru-RU" dirty="0" smtClean="0"/>
-              <a:t>Использующий Википедию, как источник дополнительных  данных</a:t>
+              <a:t>Использующий </a:t>
+            </a:r>
+            <a:r>
+              <a:rPr lang="ru-RU" dirty="0" smtClean="0"/>
+              <a:t>«</a:t>
+            </a:r>
+            <a:r>
+              <a:rPr lang="ru-RU" dirty="0" smtClean="0"/>
+              <a:t>Википедию</a:t>
+            </a:r>
+            <a:r>
+              <a:rPr lang="ru-RU" dirty="0" smtClean="0"/>
+              <a:t>»</a:t>
+            </a:r>
+            <a:r>
+              <a:rPr lang="ru-RU" dirty="0" smtClean="0"/>
+              <a:t>, </a:t>
+            </a:r>
+            <a:r>
+              <a:rPr lang="ru-RU" dirty="0" smtClean="0"/>
+              <a:t>как источник дополнительных  данных</a:t>
             </a:r>
           </a:p>
           <a:p>

--- a/docs/diploma.pptx
+++ b/docs/diploma.pptx
@@ -5,18 +5,21 @@
     <p:sldMasterId id="2147483648" r:id="rId1"/>
   </p:sldMasterIdLst>
   <p:handoutMasterIdLst>
-    <p:handoutMasterId r:id="rId11"/>
+    <p:handoutMasterId r:id="rId14"/>
   </p:handoutMasterIdLst>
   <p:sldIdLst>
     <p:sldId id="256" r:id="rId2"/>
     <p:sldId id="257" r:id="rId3"/>
     <p:sldId id="264" r:id="rId4"/>
     <p:sldId id="258" r:id="rId5"/>
-    <p:sldId id="259" r:id="rId6"/>
-    <p:sldId id="263" r:id="rId7"/>
-    <p:sldId id="268" r:id="rId8"/>
-    <p:sldId id="265" r:id="rId9"/>
-    <p:sldId id="267" r:id="rId10"/>
+    <p:sldId id="269" r:id="rId6"/>
+    <p:sldId id="259" r:id="rId7"/>
+    <p:sldId id="270" r:id="rId8"/>
+    <p:sldId id="263" r:id="rId9"/>
+    <p:sldId id="268" r:id="rId10"/>
+    <p:sldId id="265" r:id="rId11"/>
+    <p:sldId id="271" r:id="rId12"/>
+    <p:sldId id="267" r:id="rId13"/>
   </p:sldIdLst>
   <p:sldSz cx="9144000" cy="6858000" type="screen4x3"/>
   <p:notesSz cx="6858000" cy="9144000"/>
@@ -201,7 +204,7 @@
             <a:fld id="{FB89E5D2-1426-4D1F-8754-F8FF6058023F}" type="datetimeFigureOut">
               <a:rPr lang="en-US" smtClean="0"/>
               <a:pPr/>
-              <a:t>6/6/2012</a:t>
+              <a:t>6/7/2012</a:t>
             </a:fld>
             <a:endParaRPr lang="en-US"/>
           </a:p>
@@ -462,7 +465,7 @@
             <a:fld id="{C561F99B-DEDC-4780-99C9-30424E62093C}" type="datetimeFigureOut">
               <a:rPr lang="en-US" smtClean="0"/>
               <a:pPr/>
-              <a:t>6/6/2012</a:t>
+              <a:t>6/7/2012</a:t>
             </a:fld>
             <a:endParaRPr lang="en-US"/>
           </a:p>
@@ -629,7 +632,7 @@
             <a:fld id="{C561F99B-DEDC-4780-99C9-30424E62093C}" type="datetimeFigureOut">
               <a:rPr lang="en-US" smtClean="0"/>
               <a:pPr/>
-              <a:t>6/6/2012</a:t>
+              <a:t>6/7/2012</a:t>
             </a:fld>
             <a:endParaRPr lang="en-US"/>
           </a:p>
@@ -806,7 +809,7 @@
             <a:fld id="{C561F99B-DEDC-4780-99C9-30424E62093C}" type="datetimeFigureOut">
               <a:rPr lang="en-US" smtClean="0"/>
               <a:pPr/>
-              <a:t>6/6/2012</a:t>
+              <a:t>6/7/2012</a:t>
             </a:fld>
             <a:endParaRPr lang="en-US"/>
           </a:p>
@@ -973,7 +976,7 @@
             <a:fld id="{C561F99B-DEDC-4780-99C9-30424E62093C}" type="datetimeFigureOut">
               <a:rPr lang="en-US" smtClean="0"/>
               <a:pPr/>
-              <a:t>6/6/2012</a:t>
+              <a:t>6/7/2012</a:t>
             </a:fld>
             <a:endParaRPr lang="en-US"/>
           </a:p>
@@ -1216,7 +1219,7 @@
             <a:fld id="{C561F99B-DEDC-4780-99C9-30424E62093C}" type="datetimeFigureOut">
               <a:rPr lang="en-US" smtClean="0"/>
               <a:pPr/>
-              <a:t>6/6/2012</a:t>
+              <a:t>6/7/2012</a:t>
             </a:fld>
             <a:endParaRPr lang="en-US"/>
           </a:p>
@@ -1501,7 +1504,7 @@
             <a:fld id="{C561F99B-DEDC-4780-99C9-30424E62093C}" type="datetimeFigureOut">
               <a:rPr lang="en-US" smtClean="0"/>
               <a:pPr/>
-              <a:t>6/6/2012</a:t>
+              <a:t>6/7/2012</a:t>
             </a:fld>
             <a:endParaRPr lang="en-US"/>
           </a:p>
@@ -1920,7 +1923,7 @@
             <a:fld id="{C561F99B-DEDC-4780-99C9-30424E62093C}" type="datetimeFigureOut">
               <a:rPr lang="en-US" smtClean="0"/>
               <a:pPr/>
-              <a:t>6/6/2012</a:t>
+              <a:t>6/7/2012</a:t>
             </a:fld>
             <a:endParaRPr lang="en-US"/>
           </a:p>
@@ -2035,7 +2038,7 @@
             <a:fld id="{C561F99B-DEDC-4780-99C9-30424E62093C}" type="datetimeFigureOut">
               <a:rPr lang="en-US" smtClean="0"/>
               <a:pPr/>
-              <a:t>6/6/2012</a:t>
+              <a:t>6/7/2012</a:t>
             </a:fld>
             <a:endParaRPr lang="en-US"/>
           </a:p>
@@ -2127,7 +2130,7 @@
             <a:fld id="{C561F99B-DEDC-4780-99C9-30424E62093C}" type="datetimeFigureOut">
               <a:rPr lang="en-US" smtClean="0"/>
               <a:pPr/>
-              <a:t>6/6/2012</a:t>
+              <a:t>6/7/2012</a:t>
             </a:fld>
             <a:endParaRPr lang="en-US"/>
           </a:p>
@@ -2401,7 +2404,7 @@
             <a:fld id="{C561F99B-DEDC-4780-99C9-30424E62093C}" type="datetimeFigureOut">
               <a:rPr lang="en-US" smtClean="0"/>
               <a:pPr/>
-              <a:t>6/6/2012</a:t>
+              <a:t>6/7/2012</a:t>
             </a:fld>
             <a:endParaRPr lang="en-US"/>
           </a:p>
@@ -2651,7 +2654,7 @@
             <a:fld id="{C561F99B-DEDC-4780-99C9-30424E62093C}" type="datetimeFigureOut">
               <a:rPr lang="en-US" smtClean="0"/>
               <a:pPr/>
-              <a:t>6/6/2012</a:t>
+              <a:t>6/7/2012</a:t>
             </a:fld>
             <a:endParaRPr lang="en-US"/>
           </a:p>
@@ -2861,7 +2864,7 @@
             <a:fld id="{C561F99B-DEDC-4780-99C9-30424E62093C}" type="datetimeFigureOut">
               <a:rPr lang="en-US" smtClean="0"/>
               <a:pPr/>
-              <a:t>6/6/2012</a:t>
+              <a:t>6/7/2012</a:t>
             </a:fld>
             <a:endParaRPr lang="en-US"/>
           </a:p>
@@ -3413,30 +3416,13 @@
             </a:r>
             <a:r>
               <a:rPr lang="ru-RU" b="1" dirty="0" smtClean="0"/>
-              <a:t>Д</a:t>
-            </a:r>
-            <a:r>
-              <a:rPr lang="ru-RU" b="1" dirty="0" smtClean="0"/>
-              <a:t>. </a:t>
-            </a:r>
-            <a:r>
-              <a:rPr lang="ru-RU" b="1" dirty="0" smtClean="0"/>
-              <a:t>С</a:t>
-            </a:r>
-            <a:r>
-              <a:rPr lang="ru-RU" b="1" dirty="0" smtClean="0"/>
-              <a:t>.</a:t>
-            </a:r>
-            <a:endParaRPr lang="ru-RU" b="1" dirty="0" smtClean="0"/>
-          </a:p>
-          <a:p>
-            <a:r>
-              <a:rPr lang="ru-RU" dirty="0" smtClean="0"/>
-              <a:t>Доцент, математико-механический факультет, </a:t>
-            </a:r>
-            <a:r>
-              <a:rPr lang="ru-RU" dirty="0" smtClean="0"/>
-              <a:t>СПбГУ</a:t>
+              <a:t>Д. С.</a:t>
+            </a:r>
+          </a:p>
+          <a:p>
+            <a:r>
+              <a:rPr lang="ru-RU" dirty="0" smtClean="0"/>
+              <a:t>Доцент, математико-механический факультет, СПбГУ</a:t>
             </a:r>
             <a:endParaRPr lang="en-US" dirty="0" smtClean="0"/>
           </a:p>
@@ -3454,6 +3440,355 @@
       </p:par>
     </p:tnLst>
   </p:timing>
+</p:sld>
+</file>
+
+<file path=ppt/slides/slide10.xml><?xml version="1.0" encoding="utf-8"?>
+<p:sld xmlns:a="http://schemas.openxmlformats.org/drawingml/2006/main" xmlns:r="http://schemas.openxmlformats.org/officeDocument/2006/relationships" xmlns:p="http://schemas.openxmlformats.org/presentationml/2006/main">
+  <p:cSld>
+    <p:spTree>
+      <p:nvGrpSpPr>
+        <p:cNvPr id="1" name=""/>
+        <p:cNvGrpSpPr/>
+        <p:nvPr/>
+      </p:nvGrpSpPr>
+      <p:grpSpPr>
+        <a:xfrm>
+          <a:off x="0" y="0"/>
+          <a:ext cx="0" cy="0"/>
+          <a:chOff x="0" y="0"/>
+          <a:chExt cx="0" cy="0"/>
+        </a:xfrm>
+      </p:grpSpPr>
+      <p:sp>
+        <p:nvSpPr>
+          <p:cNvPr id="2" name="Title 1"/>
+          <p:cNvSpPr>
+            <a:spLocks noGrp="1"/>
+          </p:cNvSpPr>
+          <p:nvPr>
+            <p:ph type="title"/>
+          </p:nvPr>
+        </p:nvSpPr>
+        <p:spPr/>
+        <p:txBody>
+          <a:bodyPr>
+            <a:normAutofit/>
+          </a:bodyPr>
+          <a:lstStyle/>
+          <a:p>
+            <a:r>
+              <a:rPr lang="ru-RU" dirty="0" smtClean="0"/>
+              <a:t>Результаты экспериментов</a:t>
+            </a:r>
+            <a:endParaRPr lang="en-US" dirty="0"/>
+          </a:p>
+        </p:txBody>
+      </p:sp>
+      <p:sp>
+        <p:nvSpPr>
+          <p:cNvPr id="3" name="Content Placeholder 2"/>
+          <p:cNvSpPr>
+            <a:spLocks noGrp="1"/>
+          </p:cNvSpPr>
+          <p:nvPr>
+            <p:ph idx="1"/>
+          </p:nvPr>
+        </p:nvSpPr>
+        <p:spPr/>
+        <p:txBody>
+          <a:bodyPr>
+            <a:normAutofit fontScale="92500" lnSpcReduction="20000"/>
+          </a:bodyPr>
+          <a:lstStyle/>
+          <a:p>
+            <a:r>
+              <a:rPr lang="ru-RU" dirty="0" smtClean="0"/>
+              <a:t>Наилучшие </a:t>
+            </a:r>
+            <a:r>
+              <a:rPr lang="ru-RU" dirty="0" smtClean="0"/>
+              <a:t>результаты показал алгоритм </a:t>
+            </a:r>
+            <a:r>
+              <a:rPr lang="en-US" dirty="0" smtClean="0"/>
+              <a:t>SVM</a:t>
+            </a:r>
+            <a:endParaRPr lang="ru-RU" dirty="0" smtClean="0"/>
+          </a:p>
+          <a:p>
+            <a:r>
+              <a:rPr lang="ru-RU" dirty="0" smtClean="0"/>
+              <a:t>Использование </a:t>
+            </a:r>
+            <a:r>
+              <a:rPr lang="ru-RU" dirty="0" smtClean="0"/>
+              <a:t>«</a:t>
+            </a:r>
+            <a:r>
+              <a:rPr lang="ru-RU" dirty="0" smtClean="0"/>
+              <a:t>Википедии</a:t>
+            </a:r>
+            <a:r>
+              <a:rPr lang="ru-RU" dirty="0" smtClean="0"/>
+              <a:t>» ухудшает «базовую» классификацию, но улучшает «контекстную»</a:t>
+            </a:r>
+            <a:endParaRPr lang="ru-RU" dirty="0" smtClean="0"/>
+          </a:p>
+          <a:p>
+            <a:r>
+              <a:rPr lang="ru-RU" dirty="0" smtClean="0"/>
+              <a:t>Наиболее </a:t>
+            </a:r>
+            <a:r>
+              <a:rPr lang="ru-RU" dirty="0" smtClean="0"/>
+              <a:t>подходящим алгоритмом кластеризации является </a:t>
+            </a:r>
+            <a:r>
+              <a:rPr lang="en-US" dirty="0" err="1" smtClean="0"/>
+              <a:t>xmeans</a:t>
+            </a:r>
+            <a:endParaRPr lang="ru-RU" dirty="0" smtClean="0"/>
+          </a:p>
+          <a:p>
+            <a:r>
+              <a:rPr lang="ru-RU" dirty="0" smtClean="0"/>
+              <a:t>Использование контекста дает больший прирост для «тематической» выборки, чем для «целевой»</a:t>
+            </a:r>
+          </a:p>
+          <a:p>
+            <a:r>
+              <a:rPr lang="ru-RU" dirty="0" smtClean="0"/>
+              <a:t>Наименьшее </a:t>
+            </a:r>
+            <a:r>
+              <a:rPr lang="ru-RU" dirty="0" smtClean="0"/>
+              <a:t>улучшение – наивный байесовский </a:t>
+            </a:r>
+            <a:r>
+              <a:rPr lang="ru-RU" dirty="0" smtClean="0"/>
+              <a:t>алгоритм</a:t>
+            </a:r>
+            <a:endParaRPr lang="en-US" dirty="0" smtClean="0"/>
+          </a:p>
+          <a:p>
+            <a:endParaRPr lang="ru-RU" dirty="0" smtClean="0"/>
+          </a:p>
+        </p:txBody>
+      </p:sp>
+    </p:spTree>
+  </p:cSld>
+  <p:clrMapOvr>
+    <a:masterClrMapping/>
+  </p:clrMapOvr>
+</p:sld>
+</file>
+
+<file path=ppt/slides/slide11.xml><?xml version="1.0" encoding="utf-8"?>
+<p:sld xmlns:a="http://schemas.openxmlformats.org/drawingml/2006/main" xmlns:r="http://schemas.openxmlformats.org/officeDocument/2006/relationships" xmlns:p="http://schemas.openxmlformats.org/presentationml/2006/main">
+  <p:cSld>
+    <p:spTree>
+      <p:nvGrpSpPr>
+        <p:cNvPr id="1" name=""/>
+        <p:cNvGrpSpPr/>
+        <p:nvPr/>
+      </p:nvGrpSpPr>
+      <p:grpSpPr>
+        <a:xfrm>
+          <a:off x="0" y="0"/>
+          <a:ext cx="0" cy="0"/>
+          <a:chOff x="0" y="0"/>
+          <a:chExt cx="0" cy="0"/>
+        </a:xfrm>
+      </p:grpSpPr>
+      <p:sp>
+        <p:nvSpPr>
+          <p:cNvPr id="2" name="Title 1"/>
+          <p:cNvSpPr>
+            <a:spLocks noGrp="1"/>
+          </p:cNvSpPr>
+          <p:nvPr>
+            <p:ph type="title"/>
+          </p:nvPr>
+        </p:nvSpPr>
+        <p:spPr/>
+        <p:txBody>
+          <a:bodyPr/>
+          <a:lstStyle/>
+          <a:p>
+            <a:r>
+              <a:rPr lang="ru-RU" dirty="0" smtClean="0"/>
+              <a:t>Результаты экспериментов</a:t>
+            </a:r>
+            <a:endParaRPr lang="en-US" dirty="0"/>
+          </a:p>
+        </p:txBody>
+      </p:sp>
+      <p:sp>
+        <p:nvSpPr>
+          <p:cNvPr id="5" name="Content Placeholder 4"/>
+          <p:cNvSpPr>
+            <a:spLocks noGrp="1"/>
+          </p:cNvSpPr>
+          <p:nvPr>
+            <p:ph idx="1"/>
+          </p:nvPr>
+        </p:nvSpPr>
+        <p:spPr/>
+        <p:txBody>
+          <a:bodyPr/>
+          <a:lstStyle/>
+          <a:p>
+            <a:r>
+              <a:rPr lang="ru-RU" dirty="0" smtClean="0"/>
+              <a:t>Результат для тематической выборки и алгоритма </a:t>
+            </a:r>
+            <a:r>
+              <a:rPr lang="en-US" dirty="0" smtClean="0"/>
+              <a:t>SVM</a:t>
+            </a:r>
+            <a:endParaRPr lang="en-US" dirty="0"/>
+          </a:p>
+        </p:txBody>
+      </p:sp>
+      <p:pic>
+        <p:nvPicPr>
+          <p:cNvPr id="1026" name="Picture 2" descr="C:\_\GitHub\Diploma\docs\text\fig\thematic\cross\svm.png"/>
+          <p:cNvPicPr>
+            <a:picLocks noChangeAspect="1" noChangeArrowheads="1"/>
+          </p:cNvPicPr>
+          <p:nvPr/>
+        </p:nvPicPr>
+        <p:blipFill>
+          <a:blip r:embed="rId2" cstate="print"/>
+          <a:srcRect/>
+          <a:stretch>
+            <a:fillRect/>
+          </a:stretch>
+        </p:blipFill>
+        <p:spPr bwMode="auto">
+          <a:xfrm>
+            <a:off x="457200" y="2667000"/>
+            <a:ext cx="8226734" cy="3505200"/>
+          </a:xfrm>
+          <a:prstGeom prst="rect">
+            <a:avLst/>
+          </a:prstGeom>
+          <a:noFill/>
+        </p:spPr>
+      </p:pic>
+    </p:spTree>
+  </p:cSld>
+  <p:clrMapOvr>
+    <a:masterClrMapping/>
+  </p:clrMapOvr>
+</p:sld>
+</file>
+
+<file path=ppt/slides/slide12.xml><?xml version="1.0" encoding="utf-8"?>
+<p:sld xmlns:a="http://schemas.openxmlformats.org/drawingml/2006/main" xmlns:r="http://schemas.openxmlformats.org/officeDocument/2006/relationships" xmlns:p="http://schemas.openxmlformats.org/presentationml/2006/main">
+  <p:cSld>
+    <p:spTree>
+      <p:nvGrpSpPr>
+        <p:cNvPr id="1" name=""/>
+        <p:cNvGrpSpPr/>
+        <p:nvPr/>
+      </p:nvGrpSpPr>
+      <p:grpSpPr>
+        <a:xfrm>
+          <a:off x="0" y="0"/>
+          <a:ext cx="0" cy="0"/>
+          <a:chOff x="0" y="0"/>
+          <a:chExt cx="0" cy="0"/>
+        </a:xfrm>
+      </p:grpSpPr>
+      <p:sp>
+        <p:nvSpPr>
+          <p:cNvPr id="2" name="Title 1"/>
+          <p:cNvSpPr>
+            <a:spLocks noGrp="1"/>
+          </p:cNvSpPr>
+          <p:nvPr>
+            <p:ph type="title"/>
+          </p:nvPr>
+        </p:nvSpPr>
+        <p:spPr/>
+        <p:txBody>
+          <a:bodyPr>
+            <a:normAutofit/>
+          </a:bodyPr>
+          <a:lstStyle/>
+          <a:p>
+            <a:r>
+              <a:rPr lang="ru-RU" dirty="0" smtClean="0"/>
+              <a:t>Результаты</a:t>
+            </a:r>
+            <a:endParaRPr lang="en-US" dirty="0"/>
+          </a:p>
+        </p:txBody>
+      </p:sp>
+      <p:sp>
+        <p:nvSpPr>
+          <p:cNvPr id="3" name="Content Placeholder 2"/>
+          <p:cNvSpPr>
+            <a:spLocks noGrp="1"/>
+          </p:cNvSpPr>
+          <p:nvPr>
+            <p:ph idx="1"/>
+          </p:nvPr>
+        </p:nvSpPr>
+        <p:spPr/>
+        <p:txBody>
+          <a:bodyPr>
+            <a:normAutofit lnSpcReduction="10000"/>
+          </a:bodyPr>
+          <a:lstStyle/>
+          <a:p>
+            <a:r>
+              <a:rPr lang="ru-RU" dirty="0" smtClean="0"/>
+              <a:t>Создан алгоритм классификации записей из микроблогов</a:t>
+            </a:r>
+          </a:p>
+          <a:p>
+            <a:pPr lvl="1"/>
+            <a:r>
+              <a:rPr lang="ru-RU" dirty="0" smtClean="0"/>
+              <a:t>Использующий контекст записи</a:t>
+            </a:r>
+          </a:p>
+          <a:p>
+            <a:pPr lvl="1"/>
+            <a:r>
+              <a:rPr lang="ru-RU" dirty="0" smtClean="0"/>
+              <a:t>Использующий «Википедию</a:t>
+            </a:r>
+            <a:r>
+              <a:rPr lang="ru-RU" dirty="0" smtClean="0"/>
+              <a:t>» для извлечения признаков из текста</a:t>
+            </a:r>
+            <a:endParaRPr lang="ru-RU" dirty="0" smtClean="0"/>
+          </a:p>
+          <a:p>
+            <a:r>
+              <a:rPr lang="ru-RU" dirty="0" smtClean="0"/>
+              <a:t>Алгоритм показал хорошие результаты и продемонстрировал улучшение в сравнении с </a:t>
+            </a:r>
+            <a:r>
+              <a:rPr lang="ru-RU" dirty="0" smtClean="0"/>
+              <a:t>традиционным подходом </a:t>
+            </a:r>
+            <a:r>
+              <a:rPr lang="ru-RU" dirty="0" smtClean="0"/>
+              <a:t>для классификации записей</a:t>
+            </a:r>
+          </a:p>
+        </p:txBody>
+      </p:sp>
+    </p:spTree>
+  </p:cSld>
+  <p:clrMapOvr>
+    <a:masterClrMapping/>
+  </p:clrMapOvr>
 </p:sld>
 </file>
 
@@ -3516,7 +3851,6 @@
               <a:rPr lang="ru-RU" dirty="0" smtClean="0"/>
               <a:t>Микроблоги как источник данных</a:t>
             </a:r>
-            <a:endParaRPr lang="ru-RU" dirty="0" smtClean="0"/>
           </a:p>
           <a:p>
             <a:pPr lvl="1"/>
@@ -3535,11 +3869,7 @@
           <a:p>
             <a:r>
               <a:rPr lang="ru-RU" dirty="0" smtClean="0"/>
-              <a:t>Классификация </a:t>
-            </a:r>
-            <a:r>
-              <a:rPr lang="ru-RU" dirty="0" smtClean="0"/>
-              <a:t>записей</a:t>
+              <a:t>Классификация записей</a:t>
             </a:r>
           </a:p>
           <a:p>
@@ -3657,15 +3987,7 @@
           <a:p>
             <a:r>
               <a:rPr lang="ru-RU" dirty="0" smtClean="0"/>
-              <a:t>Построить классификатор </a:t>
-            </a:r>
-            <a:r>
-              <a:rPr lang="ru-RU" dirty="0" smtClean="0"/>
-              <a:t>записей из </a:t>
-            </a:r>
-            <a:r>
-              <a:rPr lang="ru-RU" dirty="0" smtClean="0"/>
-              <a:t>микроблогов</a:t>
+              <a:t>Построить классификатор записей из микроблогов</a:t>
             </a:r>
           </a:p>
           <a:p>
@@ -3736,7 +4058,7 @@
           <a:p>
             <a:r>
               <a:rPr lang="ru-RU" dirty="0" smtClean="0"/>
-              <a:t>Решение (контекст)</a:t>
+              <a:t>Построение контекста</a:t>
             </a:r>
             <a:endParaRPr lang="en-US" dirty="0"/>
           </a:p>
@@ -3754,20 +4076,14 @@
         </p:nvSpPr>
         <p:spPr/>
         <p:txBody>
-          <a:bodyPr/>
-          <a:lstStyle/>
-          <a:p>
-            <a:r>
-              <a:rPr lang="ru-RU" dirty="0" smtClean="0"/>
-              <a:t>Использование других записей </a:t>
-            </a:r>
-            <a:r>
-              <a:rPr lang="ru-RU" dirty="0" smtClean="0"/>
-              <a:t>автора </a:t>
-            </a:r>
-            <a:r>
-              <a:rPr lang="ru-RU" dirty="0" smtClean="0"/>
-              <a:t>как контекст для классификации</a:t>
+          <a:bodyPr>
+            <a:normAutofit/>
+          </a:bodyPr>
+          <a:lstStyle/>
+          <a:p>
+            <a:r>
+              <a:rPr lang="ru-RU" dirty="0" smtClean="0"/>
+              <a:t>Использование других записей автора как контекст для классификации</a:t>
             </a:r>
           </a:p>
           <a:p>
@@ -3780,15 +4096,28 @@
             <a:pPr lvl="1"/>
             <a:r>
               <a:rPr lang="ru-RU" dirty="0" smtClean="0"/>
-              <a:t>Кластеризуем сообщения автора</a:t>
-            </a:r>
+              <a:t>Кластеризуем </a:t>
+            </a:r>
+            <a:r>
+              <a:rPr lang="ru-RU" dirty="0" smtClean="0"/>
+              <a:t>записи автора</a:t>
+            </a:r>
+            <a:endParaRPr lang="ru-RU" dirty="0" smtClean="0"/>
           </a:p>
           <a:p>
             <a:pPr lvl="1"/>
             <a:r>
               <a:rPr lang="ru-RU" dirty="0" smtClean="0"/>
-              <a:t>Классифицируем на основании «большинства» в кластере сообщения</a:t>
-            </a:r>
+              <a:t>Для каждого кластера классифицируем все записи по отдельности</a:t>
+            </a:r>
+          </a:p>
+          <a:p>
+            <a:pPr lvl="1"/>
+            <a:r>
+              <a:rPr lang="ru-RU" dirty="0" smtClean="0"/>
+              <a:t>Помечаем кластер «большинством» голосов</a:t>
+            </a:r>
+            <a:endParaRPr lang="ru-RU" dirty="0" smtClean="0"/>
           </a:p>
           <a:p>
             <a:pPr lvl="1"/>
@@ -3845,7 +4174,7 @@
           <a:p>
             <a:r>
               <a:rPr lang="ru-RU" dirty="0" smtClean="0"/>
-              <a:t>Решение (википедия)</a:t>
+              <a:t>Использование контекста</a:t>
             </a:r>
             <a:endParaRPr lang="en-US" dirty="0"/>
           </a:p>
@@ -3863,42 +4192,25 @@
         </p:nvSpPr>
         <p:spPr/>
         <p:txBody>
-          <a:bodyPr>
-            <a:normAutofit lnSpcReduction="10000"/>
-          </a:bodyPr>
-          <a:lstStyle/>
-          <a:p>
-            <a:r>
-              <a:rPr lang="ru-RU" dirty="0" smtClean="0"/>
-              <a:t>Алгоритмы классификации требуют векторов</a:t>
-            </a:r>
-          </a:p>
-          <a:p>
-            <a:r>
-              <a:rPr lang="ru-RU" dirty="0" smtClean="0"/>
-              <a:t>Использовать Википедию для преобразования текста в вектора</a:t>
-            </a:r>
-          </a:p>
-          <a:p>
-            <a:r>
-              <a:rPr lang="ru-RU" dirty="0" smtClean="0"/>
-              <a:t>Алгоритм</a:t>
-            </a:r>
+          <a:bodyPr/>
+          <a:lstStyle/>
+          <a:p>
+            <a:r>
+              <a:rPr lang="ru-RU" dirty="0" smtClean="0"/>
+              <a:t>Находим наиближайший кластер к классифицируемой записи</a:t>
+            </a:r>
+            <a:endParaRPr lang="ru-RU" dirty="0" smtClean="0"/>
+          </a:p>
+          <a:p>
+            <a:r>
+              <a:rPr lang="ru-RU" dirty="0" smtClean="0"/>
+              <a:t>Результатом является метка кластера</a:t>
+            </a:r>
+            <a:endParaRPr lang="ru-RU" dirty="0" smtClean="0"/>
           </a:p>
           <a:p>
             <a:pPr lvl="1"/>
-            <a:r>
-              <a:rPr lang="ru-RU" dirty="0" smtClean="0"/>
-              <a:t>Нахождение релевантных тексту страниц в Википедии</a:t>
-            </a:r>
-          </a:p>
-          <a:p>
-            <a:pPr lvl="1"/>
-            <a:r>
-              <a:rPr lang="ru-RU" dirty="0" smtClean="0"/>
-              <a:t>Получение их надкатегорий, как координат пространства</a:t>
-            </a:r>
-            <a:endParaRPr lang="ru-RU" dirty="0"/>
+            <a:endParaRPr lang="en-US" dirty="0"/>
           </a:p>
         </p:txBody>
       </p:sp>
@@ -3951,7 +4263,7 @@
           <a:p>
             <a:r>
               <a:rPr lang="ru-RU" dirty="0" smtClean="0"/>
-              <a:t>Эксперименты (описание 1)</a:t>
+              <a:t>Выделение признаков из текста</a:t>
             </a:r>
             <a:endParaRPr lang="en-US" dirty="0"/>
           </a:p>
@@ -3959,7 +4271,7 @@
       </p:sp>
       <p:sp>
         <p:nvSpPr>
-          <p:cNvPr id="18" name="Content Placeholder 2"/>
+          <p:cNvPr id="3" name="Content Placeholder 2"/>
           <p:cNvSpPr>
             <a:spLocks noGrp="1"/>
           </p:cNvSpPr>
@@ -3967,161 +4279,40 @@
             <p:ph idx="1"/>
           </p:nvPr>
         </p:nvSpPr>
-        <p:spPr>
-          <a:xfrm>
-            <a:off x="457200" y="1600200"/>
-            <a:ext cx="8229600" cy="4525963"/>
-          </a:xfrm>
-        </p:spPr>
+        <p:spPr/>
         <p:txBody>
           <a:bodyPr>
-            <a:normAutofit lnSpcReduction="10000"/>
+            <a:normAutofit/>
           </a:bodyPr>
           <a:lstStyle/>
           <a:p>
             <a:r>
               <a:rPr lang="ru-RU" dirty="0" smtClean="0"/>
-              <a:t>Размеченные тестовые </a:t>
-            </a:r>
-            <a:r>
-              <a:rPr lang="ru-RU" dirty="0" smtClean="0"/>
-              <a:t>данные</a:t>
-            </a:r>
-          </a:p>
-          <a:p>
-            <a:pPr lvl="1"/>
-            <a:r>
-              <a:rPr lang="ru-RU" sz="2200" dirty="0" smtClean="0"/>
-              <a:t>Математика</a:t>
-            </a:r>
-            <a:r>
-              <a:rPr lang="en-US" sz="2200" dirty="0" smtClean="0"/>
-              <a:t>/</a:t>
-            </a:r>
-            <a:r>
-              <a:rPr lang="ru-RU" sz="2200" dirty="0" smtClean="0"/>
-              <a:t>физика</a:t>
-            </a:r>
-            <a:r>
-              <a:rPr lang="en-US" sz="2200" dirty="0" smtClean="0"/>
-              <a:t>/</a:t>
-            </a:r>
-            <a:r>
-              <a:rPr lang="ru-RU" sz="2200" dirty="0" smtClean="0"/>
-              <a:t>биология</a:t>
-            </a:r>
-            <a:r>
-              <a:rPr lang="en-US" sz="2200" dirty="0" smtClean="0"/>
-              <a:t>/</a:t>
-            </a:r>
-            <a:r>
-              <a:rPr lang="ru-RU" sz="2200" dirty="0" smtClean="0"/>
-              <a:t>химия</a:t>
-            </a:r>
-            <a:r>
-              <a:rPr lang="en-US" sz="2200" dirty="0" smtClean="0"/>
-              <a:t>/</a:t>
-            </a:r>
-            <a:r>
-              <a:rPr lang="ru-RU" sz="2200" dirty="0" smtClean="0"/>
-              <a:t>программирование</a:t>
-            </a:r>
-          </a:p>
-          <a:p>
-            <a:pPr lvl="1"/>
-            <a:r>
-              <a:rPr lang="ru-RU" sz="2200" dirty="0" smtClean="0"/>
-              <a:t>Новости</a:t>
-            </a:r>
-            <a:r>
-              <a:rPr lang="en-US" sz="2200" dirty="0" smtClean="0"/>
-              <a:t>/</a:t>
-            </a:r>
-            <a:r>
-              <a:rPr lang="ru-RU" sz="2200" dirty="0" smtClean="0"/>
-              <a:t>личное</a:t>
-            </a:r>
-            <a:r>
-              <a:rPr lang="en-US" sz="2200" dirty="0" smtClean="0"/>
-              <a:t>/</a:t>
-            </a:r>
-            <a:r>
-              <a:rPr lang="ru-RU" sz="2200" dirty="0" smtClean="0"/>
-              <a:t>предложения от компаний</a:t>
-            </a:r>
-          </a:p>
-          <a:p>
-            <a:r>
-              <a:rPr lang="ru-RU" dirty="0" smtClean="0"/>
-              <a:t>Оценка результатов</a:t>
-            </a:r>
-          </a:p>
-          <a:p>
-            <a:pPr lvl="1"/>
-            <a:r>
-              <a:rPr lang="ru-RU" dirty="0" smtClean="0"/>
-              <a:t>Точность – </a:t>
+              <a:t>Для классификации необходимы признаки</a:t>
+            </a:r>
+          </a:p>
+          <a:p>
+            <a:r>
+              <a:rPr lang="ru-RU" dirty="0" smtClean="0"/>
+              <a:t>Традиционный подход –</a:t>
             </a:r>
             <a:r>
               <a:rPr lang="en-US" dirty="0" smtClean="0"/>
-              <a:t>{</a:t>
-            </a:r>
-            <a:r>
-              <a:rPr lang="ru-RU" dirty="0" smtClean="0"/>
-              <a:t>правильно классифированные к классу </a:t>
-            </a:r>
-            <a:r>
-              <a:rPr lang="en-US" dirty="0" smtClean="0"/>
-              <a:t>C} / {</a:t>
-            </a:r>
-            <a:r>
-              <a:rPr lang="ru-RU" dirty="0" smtClean="0"/>
-              <a:t>классифицированные к классу </a:t>
-            </a:r>
-            <a:r>
-              <a:rPr lang="en-US" dirty="0" smtClean="0"/>
-              <a:t>C}</a:t>
+              <a:t> bag of words</a:t>
+            </a:r>
+          </a:p>
+          <a:p>
+            <a:r>
+              <a:rPr lang="ru-RU" dirty="0" smtClean="0"/>
+              <a:t>Короткая длина записей как проблема</a:t>
+            </a:r>
+          </a:p>
+          <a:p>
+            <a:r>
+              <a:rPr lang="ru-RU" dirty="0" smtClean="0"/>
+              <a:t>Использование Википедии как вариант решения проблемы</a:t>
             </a:r>
             <a:endParaRPr lang="ru-RU" dirty="0" smtClean="0"/>
-          </a:p>
-          <a:p>
-            <a:pPr lvl="1"/>
-            <a:r>
-              <a:rPr lang="ru-RU" dirty="0" smtClean="0"/>
-              <a:t>Полнота – </a:t>
-            </a:r>
-            <a:r>
-              <a:rPr lang="en-US" dirty="0" smtClean="0"/>
-              <a:t>{</a:t>
-            </a:r>
-            <a:r>
-              <a:rPr lang="ru-RU" dirty="0" smtClean="0"/>
-              <a:t>правильно классифированные к классу </a:t>
-            </a:r>
-            <a:r>
-              <a:rPr lang="en-US" dirty="0" smtClean="0"/>
-              <a:t>C} / {</a:t>
-            </a:r>
-            <a:r>
-              <a:rPr lang="ru-RU" dirty="0" smtClean="0"/>
-              <a:t>сущностей в классе </a:t>
-            </a:r>
-            <a:r>
-              <a:rPr lang="en-US" dirty="0" smtClean="0"/>
-              <a:t>C}</a:t>
-            </a:r>
-            <a:endParaRPr lang="ru-RU" dirty="0" smtClean="0"/>
-          </a:p>
-          <a:p>
-            <a:pPr lvl="1"/>
-            <a:r>
-              <a:rPr lang="en-US" dirty="0" smtClean="0"/>
-              <a:t>F</a:t>
-            </a:r>
-            <a:r>
-              <a:rPr lang="ru-RU" dirty="0" smtClean="0"/>
-              <a:t>-мера – среднее гармоническое точности и полноты</a:t>
-            </a:r>
           </a:p>
         </p:txBody>
       </p:sp>
@@ -4130,6 +4321,13 @@
   <p:clrMapOvr>
     <a:masterClrMapping/>
   </p:clrMapOvr>
+  <p:timing>
+    <p:tnLst>
+      <p:par>
+        <p:cTn id="1" dur="indefinite" restart="never" nodeType="tmRoot"/>
+      </p:par>
+    </p:tnLst>
+  </p:timing>
 </p:sld>
 </file>
 
@@ -4162,12 +4360,14 @@
         </p:nvSpPr>
         <p:spPr/>
         <p:txBody>
-          <a:bodyPr/>
-          <a:lstStyle/>
-          <a:p>
-            <a:r>
-              <a:rPr lang="ru-RU" dirty="0" smtClean="0"/>
-              <a:t>Эксперименты (описание 2)</a:t>
+          <a:bodyPr>
+            <a:normAutofit fontScale="90000"/>
+          </a:bodyPr>
+          <a:lstStyle/>
+          <a:p>
+            <a:r>
+              <a:rPr lang="ru-RU" dirty="0" smtClean="0"/>
+              <a:t>Выделение признаков на основе Википедии</a:t>
             </a:r>
             <a:endParaRPr lang="en-US" dirty="0"/>
           </a:p>
@@ -4175,7 +4375,7 @@
       </p:sp>
       <p:sp>
         <p:nvSpPr>
-          <p:cNvPr id="18" name="Content Placeholder 2"/>
+          <p:cNvPr id="3" name="Content Placeholder 2"/>
           <p:cNvSpPr>
             <a:spLocks noGrp="1"/>
           </p:cNvSpPr>
@@ -4183,102 +4383,28 @@
             <p:ph idx="1"/>
           </p:nvPr>
         </p:nvSpPr>
-        <p:spPr>
-          <a:xfrm>
-            <a:off x="457200" y="1524000"/>
-            <a:ext cx="8229600" cy="4525963"/>
-          </a:xfrm>
-        </p:spPr>
+        <p:spPr/>
         <p:txBody>
           <a:bodyPr>
-            <a:normAutofit lnSpcReduction="10000"/>
+            <a:normAutofit/>
           </a:bodyPr>
           <a:lstStyle/>
           <a:p>
             <a:r>
               <a:rPr lang="ru-RU" dirty="0" smtClean="0"/>
-              <a:t>Алгоритмы классификации</a:t>
-            </a:r>
-          </a:p>
-          <a:p>
-            <a:pPr lvl="1"/>
-            <a:r>
-              <a:rPr lang="ru-RU" dirty="0" smtClean="0"/>
-              <a:t>Наивный байесовский</a:t>
-            </a:r>
-          </a:p>
-          <a:p>
-            <a:pPr lvl="1"/>
-            <a:r>
-              <a:rPr lang="en-US" dirty="0" smtClean="0"/>
-              <a:t>SVM – </a:t>
-            </a:r>
-            <a:r>
-              <a:rPr lang="ru-RU" dirty="0" smtClean="0"/>
-              <a:t>метод опорных векторов</a:t>
-            </a:r>
-          </a:p>
-          <a:p>
-            <a:pPr lvl="1"/>
-            <a:r>
-              <a:rPr lang="en-US" dirty="0" smtClean="0"/>
-              <a:t>J48 – </a:t>
-            </a:r>
-            <a:r>
-              <a:rPr lang="ru-RU" dirty="0" smtClean="0"/>
-              <a:t>метод для построения дерева принятия решений</a:t>
-            </a:r>
-          </a:p>
-          <a:p>
-            <a:r>
-              <a:rPr lang="ru-RU" dirty="0" smtClean="0"/>
-              <a:t>Алгоритмы кластеризации</a:t>
-            </a:r>
-          </a:p>
-          <a:p>
-            <a:pPr lvl="1"/>
-            <a:r>
-              <a:rPr lang="en-US" dirty="0" err="1" smtClean="0"/>
-              <a:t>kmeans</a:t>
-            </a:r>
-            <a:r>
-              <a:rPr lang="en-US" dirty="0" smtClean="0"/>
-              <a:t> </a:t>
-            </a:r>
-            <a:r>
-              <a:rPr lang="ru-RU" dirty="0" smtClean="0"/>
-              <a:t>на 20 кластеров</a:t>
-            </a:r>
-          </a:p>
-          <a:p>
-            <a:pPr lvl="1"/>
-            <a:r>
-              <a:rPr lang="en-US" dirty="0" err="1" smtClean="0"/>
-              <a:t>kmeans</a:t>
-            </a:r>
-            <a:r>
-              <a:rPr lang="en-US" dirty="0" smtClean="0"/>
-              <a:t> </a:t>
-            </a:r>
-            <a:r>
-              <a:rPr lang="ru-RU" dirty="0" smtClean="0"/>
-              <a:t>на 100 кластеров</a:t>
-            </a:r>
-          </a:p>
-          <a:p>
-            <a:pPr lvl="1"/>
-            <a:r>
-              <a:rPr lang="en-US" dirty="0" err="1" smtClean="0"/>
-              <a:t>xmeans</a:t>
-            </a:r>
-            <a:r>
-              <a:rPr lang="en-US" dirty="0" smtClean="0"/>
-              <a:t> </a:t>
-            </a:r>
-            <a:r>
-              <a:rPr lang="ru-RU" dirty="0" smtClean="0"/>
-              <a:t>от 10 до 200 кластеров</a:t>
-            </a:r>
+              <a:t>Нахождение релевантных тексту страниц в </a:t>
+            </a:r>
+            <a:r>
+              <a:rPr lang="ru-RU" dirty="0" smtClean="0"/>
+              <a:t>Википедии</a:t>
+            </a:r>
+          </a:p>
+          <a:p>
+            <a:r>
+              <a:rPr lang="ru-RU" dirty="0" smtClean="0"/>
+              <a:t>Над-категории релевантных страниц как признаки текста</a:t>
+            </a:r>
+            <a:endParaRPr lang="ru-RU" dirty="0"/>
           </a:p>
         </p:txBody>
       </p:sp>
@@ -4287,6 +4413,13 @@
   <p:clrMapOvr>
     <a:masterClrMapping/>
   </p:clrMapOvr>
+  <p:timing>
+    <p:tnLst>
+      <p:par>
+        <p:cTn id="1" dur="indefinite" restart="never" nodeType="tmRoot"/>
+      </p:par>
+    </p:tnLst>
+  </p:timing>
 </p:sld>
 </file>
 
@@ -4320,125 +4453,148 @@
         <p:spPr/>
         <p:txBody>
           <a:bodyPr>
+            <a:normAutofit fontScale="90000"/>
+          </a:bodyPr>
+          <a:lstStyle/>
+          <a:p>
+            <a:r>
+              <a:rPr lang="ru-RU" dirty="0" smtClean="0"/>
+              <a:t>Тестовые данные и критерии качества</a:t>
+            </a:r>
+            <a:endParaRPr lang="en-US" dirty="0"/>
+          </a:p>
+        </p:txBody>
+      </p:sp>
+      <p:sp>
+        <p:nvSpPr>
+          <p:cNvPr id="18" name="Content Placeholder 2"/>
+          <p:cNvSpPr>
+            <a:spLocks noGrp="1"/>
+          </p:cNvSpPr>
+          <p:nvPr>
+            <p:ph idx="1"/>
+          </p:nvPr>
+        </p:nvSpPr>
+        <p:spPr>
+          <a:xfrm>
+            <a:off x="457200" y="1600200"/>
+            <a:ext cx="8229600" cy="4525963"/>
+          </a:xfrm>
+        </p:spPr>
+        <p:txBody>
+          <a:bodyPr>
             <a:normAutofit/>
           </a:bodyPr>
           <a:lstStyle/>
           <a:p>
             <a:r>
               <a:rPr lang="ru-RU" dirty="0" smtClean="0"/>
-              <a:t>Эксперименты (результаты)</a:t>
-            </a:r>
-            <a:endParaRPr lang="en-US" dirty="0"/>
-          </a:p>
-        </p:txBody>
-      </p:sp>
-      <p:sp>
-        <p:nvSpPr>
-          <p:cNvPr id="3" name="Content Placeholder 2"/>
-          <p:cNvSpPr>
-            <a:spLocks noGrp="1"/>
-          </p:cNvSpPr>
-          <p:nvPr>
-            <p:ph idx="1"/>
-          </p:nvPr>
-        </p:nvSpPr>
-        <p:spPr/>
-        <p:txBody>
-          <a:bodyPr>
-            <a:normAutofit fontScale="92500" lnSpcReduction="20000"/>
-          </a:bodyPr>
-          <a:lstStyle/>
-          <a:p>
-            <a:r>
-              <a:rPr lang="ru-RU" dirty="0" smtClean="0"/>
-              <a:t>Сравниваем «базовый» алгоритм классификации и построенный по моей схеме </a:t>
-            </a:r>
-          </a:p>
-          <a:p>
-            <a:r>
-              <a:rPr lang="ru-RU" dirty="0" smtClean="0"/>
-              <a:t>Наилучшие результаты показал алгоритм </a:t>
-            </a:r>
+              <a:t>Размеченные тестовые данные</a:t>
+            </a:r>
+          </a:p>
+          <a:p>
+            <a:pPr lvl="1"/>
+            <a:r>
+              <a:rPr lang="ru-RU" sz="2200" dirty="0" smtClean="0"/>
+              <a:t>Математика</a:t>
+            </a:r>
+            <a:r>
+              <a:rPr lang="en-US" sz="2200" dirty="0" smtClean="0"/>
+              <a:t>/</a:t>
+            </a:r>
+            <a:r>
+              <a:rPr lang="ru-RU" sz="2200" dirty="0" smtClean="0"/>
+              <a:t>физика</a:t>
+            </a:r>
+            <a:r>
+              <a:rPr lang="en-US" sz="2200" dirty="0" smtClean="0"/>
+              <a:t>/</a:t>
+            </a:r>
+            <a:r>
+              <a:rPr lang="ru-RU" sz="2200" dirty="0" smtClean="0"/>
+              <a:t>биология</a:t>
+            </a:r>
+            <a:r>
+              <a:rPr lang="en-US" sz="2200" dirty="0" smtClean="0"/>
+              <a:t>/</a:t>
+            </a:r>
+            <a:r>
+              <a:rPr lang="ru-RU" sz="2200" dirty="0" smtClean="0"/>
+              <a:t>химия</a:t>
+            </a:r>
+            <a:r>
+              <a:rPr lang="en-US" sz="2200" dirty="0" smtClean="0"/>
+              <a:t>/</a:t>
+            </a:r>
+            <a:r>
+              <a:rPr lang="ru-RU" sz="2200" dirty="0" smtClean="0"/>
+              <a:t>программирование (тематическая)</a:t>
+            </a:r>
+            <a:endParaRPr lang="ru-RU" sz="2200" dirty="0" smtClean="0"/>
+          </a:p>
+          <a:p>
+            <a:pPr lvl="1"/>
+            <a:r>
+              <a:rPr lang="ru-RU" sz="2200" dirty="0" smtClean="0"/>
+              <a:t>Новости</a:t>
+            </a:r>
+            <a:r>
+              <a:rPr lang="en-US" sz="2200" dirty="0" smtClean="0"/>
+              <a:t>/</a:t>
+            </a:r>
+            <a:r>
+              <a:rPr lang="ru-RU" sz="2200" dirty="0" smtClean="0"/>
+              <a:t>личное</a:t>
+            </a:r>
+            <a:r>
+              <a:rPr lang="en-US" sz="2200" dirty="0" smtClean="0"/>
+              <a:t>/</a:t>
+            </a:r>
+            <a:r>
+              <a:rPr lang="ru-RU" sz="2200" dirty="0" smtClean="0"/>
+              <a:t>предложения от </a:t>
+            </a:r>
+            <a:r>
+              <a:rPr lang="ru-RU" sz="2200" dirty="0" smtClean="0"/>
+              <a:t>компаний (целевая)</a:t>
+            </a:r>
+          </a:p>
+          <a:p>
+            <a:pPr lvl="1"/>
+            <a:r>
+              <a:rPr lang="ru-RU" sz="2200" dirty="0" smtClean="0"/>
+              <a:t>Количество записей </a:t>
+            </a:r>
+            <a:r>
+              <a:rPr lang="en-US" sz="2200" dirty="0" smtClean="0"/>
+              <a:t>– 1500</a:t>
+            </a:r>
+            <a:endParaRPr lang="ru-RU" sz="1800" dirty="0" smtClean="0"/>
+          </a:p>
+          <a:p>
+            <a:r>
+              <a:rPr lang="ru-RU" dirty="0" smtClean="0"/>
+              <a:t>Оценка результатов</a:t>
+            </a:r>
+          </a:p>
+          <a:p>
+            <a:pPr lvl="1"/>
+            <a:r>
+              <a:rPr lang="ru-RU" dirty="0" smtClean="0"/>
+              <a:t>Точность, полнота</a:t>
+            </a:r>
+            <a:endParaRPr lang="ru-RU" dirty="0" smtClean="0"/>
+          </a:p>
+          <a:p>
+            <a:pPr lvl="1"/>
             <a:r>
               <a:rPr lang="en-US" dirty="0" smtClean="0"/>
-              <a:t>SVM</a:t>
-            </a:r>
-            <a:endParaRPr lang="ru-RU" dirty="0" smtClean="0"/>
-          </a:p>
-          <a:p>
-            <a:r>
-              <a:rPr lang="ru-RU" dirty="0" smtClean="0"/>
-              <a:t>Улучшение в его случае с 0</a:t>
-            </a:r>
-            <a:r>
-              <a:rPr lang="en-US" dirty="0" smtClean="0"/>
-              <a:t>.67 </a:t>
-            </a:r>
-            <a:r>
-              <a:rPr lang="ru-RU" dirty="0" smtClean="0"/>
-              <a:t>до 0</a:t>
-            </a:r>
-            <a:r>
-              <a:rPr lang="en-US" dirty="0" smtClean="0"/>
-              <a:t>.75 </a:t>
-            </a:r>
-            <a:r>
-              <a:rPr lang="ru-RU" dirty="0" smtClean="0"/>
-              <a:t>по </a:t>
-            </a:r>
-            <a:r>
-              <a:rPr lang="en-US" dirty="0" smtClean="0"/>
-              <a:t>F-</a:t>
-            </a:r>
-            <a:r>
-              <a:rPr lang="ru-RU" dirty="0" smtClean="0"/>
-              <a:t>мере в одном случае, и с 0</a:t>
-            </a:r>
-            <a:r>
-              <a:rPr lang="en-US" dirty="0" smtClean="0"/>
-              <a:t>.915 </a:t>
-            </a:r>
-            <a:r>
-              <a:rPr lang="ru-RU" dirty="0" smtClean="0"/>
-              <a:t>до 0</a:t>
-            </a:r>
-            <a:r>
-              <a:rPr lang="en-US" dirty="0" smtClean="0"/>
-              <a:t>.927 </a:t>
-            </a:r>
-            <a:r>
-              <a:rPr lang="ru-RU" dirty="0" smtClean="0"/>
-              <a:t>в другом</a:t>
-            </a:r>
-          </a:p>
-          <a:p>
-            <a:r>
-              <a:rPr lang="ru-RU" dirty="0" smtClean="0"/>
-              <a:t>Наиболее подходящим алгоритмом кластеризации является </a:t>
-            </a:r>
-            <a:r>
-              <a:rPr lang="en-US" dirty="0" err="1" smtClean="0"/>
-              <a:t>xmeans</a:t>
-            </a:r>
-            <a:endParaRPr lang="ru-RU" dirty="0" smtClean="0"/>
-          </a:p>
-          <a:p>
-            <a:r>
-              <a:rPr lang="ru-RU" dirty="0" smtClean="0"/>
-              <a:t>Наименьшее улучшение </a:t>
-            </a:r>
-            <a:r>
-              <a:rPr lang="ru-RU" dirty="0" smtClean="0"/>
-              <a:t>– наивный байесовский алгоритм</a:t>
-            </a:r>
-            <a:r>
-              <a:rPr lang="en-US" dirty="0" smtClean="0"/>
-              <a:t>.</a:t>
-            </a:r>
-            <a:endParaRPr lang="en-US" dirty="0" smtClean="0"/>
-          </a:p>
-          <a:p>
-            <a:endParaRPr lang="ru-RU" dirty="0" smtClean="0"/>
+              <a:t>F</a:t>
+            </a:r>
+            <a:r>
+              <a:rPr lang="ru-RU" dirty="0" smtClean="0"/>
+              <a:t>-мера – среднее гармоническое точности и полноты</a:t>
+            </a:r>
           </a:p>
         </p:txBody>
       </p:sp>
@@ -4479,79 +4635,133 @@
         </p:nvSpPr>
         <p:spPr/>
         <p:txBody>
+          <a:bodyPr/>
+          <a:lstStyle/>
+          <a:p>
+            <a:r>
+              <a:rPr lang="ru-RU" dirty="0" smtClean="0"/>
+              <a:t>Участники забега</a:t>
+            </a:r>
+            <a:endParaRPr lang="en-US" dirty="0"/>
+          </a:p>
+        </p:txBody>
+      </p:sp>
+      <p:sp>
+        <p:nvSpPr>
+          <p:cNvPr id="18" name="Content Placeholder 2"/>
+          <p:cNvSpPr>
+            <a:spLocks noGrp="1"/>
+          </p:cNvSpPr>
+          <p:nvPr>
+            <p:ph idx="1"/>
+          </p:nvPr>
+        </p:nvSpPr>
+        <p:spPr>
+          <a:xfrm>
+            <a:off x="457200" y="1524000"/>
+            <a:ext cx="8229600" cy="4525963"/>
+          </a:xfrm>
+        </p:spPr>
+        <p:txBody>
           <a:bodyPr>
-            <a:normAutofit/>
+            <a:normAutofit fontScale="92500" lnSpcReduction="20000"/>
           </a:bodyPr>
           <a:lstStyle/>
           <a:p>
             <a:r>
               <a:rPr lang="ru-RU" dirty="0" smtClean="0"/>
-              <a:t>Результаты</a:t>
-            </a:r>
-            <a:endParaRPr lang="en-US" dirty="0"/>
-          </a:p>
-        </p:txBody>
-      </p:sp>
-      <p:sp>
-        <p:nvSpPr>
-          <p:cNvPr id="3" name="Content Placeholder 2"/>
-          <p:cNvSpPr>
-            <a:spLocks noGrp="1"/>
-          </p:cNvSpPr>
-          <p:nvPr>
-            <p:ph idx="1"/>
-          </p:nvPr>
-        </p:nvSpPr>
-        <p:spPr/>
-        <p:txBody>
-          <a:bodyPr>
-            <a:normAutofit lnSpcReduction="10000"/>
-          </a:bodyPr>
-          <a:lstStyle/>
-          <a:p>
-            <a:r>
-              <a:rPr lang="ru-RU" dirty="0" smtClean="0"/>
-              <a:t>Создан алгоритм классификации записей из микроблогов</a:t>
+              <a:t>Алгоритмы классификации</a:t>
             </a:r>
           </a:p>
           <a:p>
             <a:pPr lvl="1"/>
             <a:r>
               <a:rPr lang="ru-RU" dirty="0" smtClean="0"/>
-              <a:t>Использующий контекст записи</a:t>
+              <a:t>Наивный байесовский</a:t>
             </a:r>
           </a:p>
           <a:p>
             <a:pPr lvl="1"/>
             <a:r>
-              <a:rPr lang="ru-RU" dirty="0" smtClean="0"/>
-              <a:t>Использующий </a:t>
-            </a:r>
-            <a:r>
-              <a:rPr lang="ru-RU" dirty="0" smtClean="0"/>
-              <a:t>«</a:t>
-            </a:r>
-            <a:r>
-              <a:rPr lang="ru-RU" dirty="0" smtClean="0"/>
-              <a:t>Википедию</a:t>
-            </a:r>
-            <a:r>
-              <a:rPr lang="ru-RU" dirty="0" smtClean="0"/>
-              <a:t>»</a:t>
-            </a:r>
-            <a:r>
-              <a:rPr lang="ru-RU" dirty="0" smtClean="0"/>
-              <a:t>, </a:t>
-            </a:r>
-            <a:r>
-              <a:rPr lang="ru-RU" dirty="0" smtClean="0"/>
-              <a:t>как источник дополнительных  данных</a:t>
-            </a:r>
-          </a:p>
-          <a:p>
-            <a:r>
-              <a:rPr lang="ru-RU" dirty="0" smtClean="0"/>
-              <a:t>Алгоритм показал хорошие результаты и продемонстрировал улучшение в сравнении с простым подходом для классификации записей</a:t>
+              <a:rPr lang="en-US" dirty="0" smtClean="0"/>
+              <a:t>SVM – </a:t>
+            </a:r>
+            <a:r>
+              <a:rPr lang="ru-RU" dirty="0" smtClean="0"/>
+              <a:t>метод опорных векторов</a:t>
+            </a:r>
+          </a:p>
+          <a:p>
+            <a:pPr lvl="1"/>
+            <a:r>
+              <a:rPr lang="en-US" dirty="0" smtClean="0"/>
+              <a:t>J48 – </a:t>
+            </a:r>
+            <a:r>
+              <a:rPr lang="ru-RU" dirty="0" smtClean="0"/>
+              <a:t>метод для построения дерева принятия решений</a:t>
+            </a:r>
+          </a:p>
+          <a:p>
+            <a:r>
+              <a:rPr lang="ru-RU" dirty="0" smtClean="0"/>
+              <a:t>Алгоритмы кластеризации</a:t>
+            </a:r>
+          </a:p>
+          <a:p>
+            <a:pPr lvl="1"/>
+            <a:r>
+              <a:rPr lang="en-US" dirty="0" err="1" smtClean="0"/>
+              <a:t>kmeans</a:t>
+            </a:r>
+            <a:r>
+              <a:rPr lang="en-US" dirty="0" smtClean="0"/>
+              <a:t> </a:t>
+            </a:r>
+            <a:r>
+              <a:rPr lang="ru-RU" dirty="0" smtClean="0"/>
+              <a:t>на 20 кластеров</a:t>
+            </a:r>
+          </a:p>
+          <a:p>
+            <a:pPr lvl="1"/>
+            <a:r>
+              <a:rPr lang="en-US" dirty="0" err="1" smtClean="0"/>
+              <a:t>kmeans</a:t>
+            </a:r>
+            <a:r>
+              <a:rPr lang="en-US" dirty="0" smtClean="0"/>
+              <a:t> </a:t>
+            </a:r>
+            <a:r>
+              <a:rPr lang="ru-RU" dirty="0" smtClean="0"/>
+              <a:t>на 100 кластеров</a:t>
+            </a:r>
+          </a:p>
+          <a:p>
+            <a:pPr lvl="1"/>
+            <a:r>
+              <a:rPr lang="en-US" dirty="0" err="1" smtClean="0"/>
+              <a:t>xmeans</a:t>
+            </a:r>
+            <a:r>
+              <a:rPr lang="en-US" dirty="0" smtClean="0"/>
+              <a:t> </a:t>
+            </a:r>
+            <a:r>
+              <a:rPr lang="ru-RU" dirty="0" smtClean="0"/>
+              <a:t>от 10 до 200 </a:t>
+            </a:r>
+            <a:r>
+              <a:rPr lang="ru-RU" dirty="0" smtClean="0"/>
+              <a:t>кластеров</a:t>
+            </a:r>
+            <a:endParaRPr lang="ru-RU" dirty="0" smtClean="0"/>
+          </a:p>
+          <a:p>
+            <a:r>
+              <a:rPr lang="ru-RU" dirty="0" smtClean="0"/>
+              <a:t>12 вариантов классификаторов, 2 способа выделения признаков из текста</a:t>
             </a:r>
           </a:p>
         </p:txBody>
